--- a/src/ajax.pptx
+++ b/src/ajax.pptx
@@ -61,7 +61,7 @@
       </p:grpSpPr>
       <p:sp>
         <p:nvSpPr>
-          <p:cNvPr id="31" name="PlaceHolder 1"/>
+          <p:cNvPr id="28" name="PlaceHolder 1"/>
           <p:cNvSpPr>
             <a:spLocks noGrp="1"/>
           </p:cNvSpPr>
@@ -71,8 +71,8 @@
         </p:nvSpPr>
         <p:spPr>
           <a:xfrm>
-            <a:off x="457200" y="704160"/>
-            <a:ext cx="8229240" cy="1142640"/>
+            <a:off x="457200" y="221040"/>
+            <a:ext cx="8229240" cy="1250280"/>
           </a:xfrm>
           <a:prstGeom prst="rect">
             <a:avLst/>
@@ -83,18 +83,16 @@
             <a:noAutofit/>
           </a:bodyPr>
           <a:p>
-            <a:endParaRPr b="0" lang="ru-RU" sz="1800" spc="-1" strike="noStrike">
-              <a:solidFill>
-                <a:srgbClr val="000000"/>
-              </a:solidFill>
-              <a:latin typeface="Constantia"/>
-            </a:endParaRPr>
-          </a:p>
-        </p:txBody>
-      </p:sp>
-      <p:sp>
-        <p:nvSpPr>
-          <p:cNvPr id="32" name="PlaceHolder 2"/>
+            <a:pPr algn="ctr"/>
+            <a:endParaRPr b="0" lang="ru-RU" sz="4400" spc="-1" strike="noStrike">
+              <a:latin typeface="Arial"/>
+            </a:endParaRPr>
+          </a:p>
+        </p:txBody>
+      </p:sp>
+      <p:sp>
+        <p:nvSpPr>
+          <p:cNvPr id="29" name="PlaceHolder 2"/>
           <p:cNvSpPr>
             <a:spLocks noGrp="1"/>
           </p:cNvSpPr>
@@ -104,8 +102,8 @@
         </p:nvSpPr>
         <p:spPr>
           <a:xfrm>
-            <a:off x="457200" y="1935360"/>
-            <a:ext cx="8229240" cy="2093400"/>
+            <a:off x="457200" y="1604520"/>
+            <a:ext cx="8229240" cy="1896840"/>
           </a:xfrm>
           <a:prstGeom prst="rect">
             <a:avLst/>
@@ -116,18 +114,15 @@
             <a:normAutofit/>
           </a:bodyPr>
           <a:p>
-            <a:endParaRPr b="0" lang="ru-RU" sz="2600" spc="-1" strike="noStrike">
-              <a:solidFill>
-                <a:srgbClr val="000000"/>
-              </a:solidFill>
-              <a:latin typeface="Constantia"/>
-            </a:endParaRPr>
-          </a:p>
-        </p:txBody>
-      </p:sp>
-      <p:sp>
-        <p:nvSpPr>
-          <p:cNvPr id="33" name="PlaceHolder 3"/>
+            <a:endParaRPr b="0" lang="ru-RU" sz="3200" spc="-1" strike="noStrike">
+              <a:latin typeface="Arial"/>
+            </a:endParaRPr>
+          </a:p>
+        </p:txBody>
+      </p:sp>
+      <p:sp>
+        <p:nvSpPr>
+          <p:cNvPr id="30" name="PlaceHolder 3"/>
           <p:cNvSpPr>
             <a:spLocks noGrp="1"/>
           </p:cNvSpPr>
@@ -137,8 +132,8 @@
         </p:nvSpPr>
         <p:spPr>
           <a:xfrm>
-            <a:off x="457200" y="4228200"/>
-            <a:ext cx="8229240" cy="2093400"/>
+            <a:off x="457200" y="3682080"/>
+            <a:ext cx="8229240" cy="1896840"/>
           </a:xfrm>
           <a:prstGeom prst="rect">
             <a:avLst/>
@@ -149,11 +144,8 @@
             <a:normAutofit/>
           </a:bodyPr>
           <a:p>
-            <a:endParaRPr b="0" lang="ru-RU" sz="2600" spc="-1" strike="noStrike">
-              <a:solidFill>
-                <a:srgbClr val="000000"/>
-              </a:solidFill>
-              <a:latin typeface="Constantia"/>
+            <a:endParaRPr b="0" lang="ru-RU" sz="3200" spc="-1" strike="noStrike">
+              <a:latin typeface="Arial"/>
             </a:endParaRPr>
           </a:p>
         </p:txBody>
@@ -182,7 +174,7 @@
       </p:grpSpPr>
       <p:sp>
         <p:nvSpPr>
-          <p:cNvPr id="34" name="PlaceHolder 1"/>
+          <p:cNvPr id="31" name="PlaceHolder 1"/>
           <p:cNvSpPr>
             <a:spLocks noGrp="1"/>
           </p:cNvSpPr>
@@ -192,8 +184,8 @@
         </p:nvSpPr>
         <p:spPr>
           <a:xfrm>
-            <a:off x="457200" y="704160"/>
-            <a:ext cx="8229240" cy="1142640"/>
+            <a:off x="457200" y="221040"/>
+            <a:ext cx="8229240" cy="1250280"/>
           </a:xfrm>
           <a:prstGeom prst="rect">
             <a:avLst/>
@@ -204,18 +196,16 @@
             <a:noAutofit/>
           </a:bodyPr>
           <a:p>
-            <a:endParaRPr b="0" lang="ru-RU" sz="1800" spc="-1" strike="noStrike">
-              <a:solidFill>
-                <a:srgbClr val="000000"/>
-              </a:solidFill>
-              <a:latin typeface="Constantia"/>
-            </a:endParaRPr>
-          </a:p>
-        </p:txBody>
-      </p:sp>
-      <p:sp>
-        <p:nvSpPr>
-          <p:cNvPr id="35" name="PlaceHolder 2"/>
+            <a:pPr algn="ctr"/>
+            <a:endParaRPr b="0" lang="ru-RU" sz="4400" spc="-1" strike="noStrike">
+              <a:latin typeface="Arial"/>
+            </a:endParaRPr>
+          </a:p>
+        </p:txBody>
+      </p:sp>
+      <p:sp>
+        <p:nvSpPr>
+          <p:cNvPr id="32" name="PlaceHolder 2"/>
           <p:cNvSpPr>
             <a:spLocks noGrp="1"/>
           </p:cNvSpPr>
@@ -225,8 +215,8 @@
         </p:nvSpPr>
         <p:spPr>
           <a:xfrm>
-            <a:off x="457200" y="1935360"/>
-            <a:ext cx="4015800" cy="2093400"/>
+            <a:off x="457200" y="1604520"/>
+            <a:ext cx="4015800" cy="1896840"/>
           </a:xfrm>
           <a:prstGeom prst="rect">
             <a:avLst/>
@@ -237,18 +227,15 @@
             <a:normAutofit/>
           </a:bodyPr>
           <a:p>
-            <a:endParaRPr b="0" lang="ru-RU" sz="2600" spc="-1" strike="noStrike">
-              <a:solidFill>
-                <a:srgbClr val="000000"/>
-              </a:solidFill>
-              <a:latin typeface="Constantia"/>
-            </a:endParaRPr>
-          </a:p>
-        </p:txBody>
-      </p:sp>
-      <p:sp>
-        <p:nvSpPr>
-          <p:cNvPr id="36" name="PlaceHolder 3"/>
+            <a:endParaRPr b="0" lang="ru-RU" sz="3200" spc="-1" strike="noStrike">
+              <a:latin typeface="Arial"/>
+            </a:endParaRPr>
+          </a:p>
+        </p:txBody>
+      </p:sp>
+      <p:sp>
+        <p:nvSpPr>
+          <p:cNvPr id="33" name="PlaceHolder 3"/>
           <p:cNvSpPr>
             <a:spLocks noGrp="1"/>
           </p:cNvSpPr>
@@ -258,8 +245,8 @@
         </p:nvSpPr>
         <p:spPr>
           <a:xfrm>
-            <a:off x="4674240" y="1935360"/>
-            <a:ext cx="4015800" cy="2093400"/>
+            <a:off x="4674240" y="1604520"/>
+            <a:ext cx="4015800" cy="1896840"/>
           </a:xfrm>
           <a:prstGeom prst="rect">
             <a:avLst/>
@@ -270,18 +257,15 @@
             <a:normAutofit/>
           </a:bodyPr>
           <a:p>
-            <a:endParaRPr b="0" lang="ru-RU" sz="2600" spc="-1" strike="noStrike">
-              <a:solidFill>
-                <a:srgbClr val="000000"/>
-              </a:solidFill>
-              <a:latin typeface="Constantia"/>
-            </a:endParaRPr>
-          </a:p>
-        </p:txBody>
-      </p:sp>
-      <p:sp>
-        <p:nvSpPr>
-          <p:cNvPr id="37" name="PlaceHolder 4"/>
+            <a:endParaRPr b="0" lang="ru-RU" sz="3200" spc="-1" strike="noStrike">
+              <a:latin typeface="Arial"/>
+            </a:endParaRPr>
+          </a:p>
+        </p:txBody>
+      </p:sp>
+      <p:sp>
+        <p:nvSpPr>
+          <p:cNvPr id="34" name="PlaceHolder 4"/>
           <p:cNvSpPr>
             <a:spLocks noGrp="1"/>
           </p:cNvSpPr>
@@ -291,8 +275,8 @@
         </p:nvSpPr>
         <p:spPr>
           <a:xfrm>
-            <a:off x="457200" y="4228200"/>
-            <a:ext cx="4015800" cy="2093400"/>
+            <a:off x="457200" y="3682080"/>
+            <a:ext cx="4015800" cy="1896840"/>
           </a:xfrm>
           <a:prstGeom prst="rect">
             <a:avLst/>
@@ -303,18 +287,15 @@
             <a:normAutofit/>
           </a:bodyPr>
           <a:p>
-            <a:endParaRPr b="0" lang="ru-RU" sz="2600" spc="-1" strike="noStrike">
-              <a:solidFill>
-                <a:srgbClr val="000000"/>
-              </a:solidFill>
-              <a:latin typeface="Constantia"/>
-            </a:endParaRPr>
-          </a:p>
-        </p:txBody>
-      </p:sp>
-      <p:sp>
-        <p:nvSpPr>
-          <p:cNvPr id="38" name="PlaceHolder 5"/>
+            <a:endParaRPr b="0" lang="ru-RU" sz="3200" spc="-1" strike="noStrike">
+              <a:latin typeface="Arial"/>
+            </a:endParaRPr>
+          </a:p>
+        </p:txBody>
+      </p:sp>
+      <p:sp>
+        <p:nvSpPr>
+          <p:cNvPr id="35" name="PlaceHolder 5"/>
           <p:cNvSpPr>
             <a:spLocks noGrp="1"/>
           </p:cNvSpPr>
@@ -324,8 +305,8 @@
         </p:nvSpPr>
         <p:spPr>
           <a:xfrm>
-            <a:off x="4674240" y="4228200"/>
-            <a:ext cx="4015800" cy="2093400"/>
+            <a:off x="4674240" y="3682080"/>
+            <a:ext cx="4015800" cy="1896840"/>
           </a:xfrm>
           <a:prstGeom prst="rect">
             <a:avLst/>
@@ -336,11 +317,8 @@
             <a:normAutofit/>
           </a:bodyPr>
           <a:p>
-            <a:endParaRPr b="0" lang="ru-RU" sz="2600" spc="-1" strike="noStrike">
-              <a:solidFill>
-                <a:srgbClr val="000000"/>
-              </a:solidFill>
-              <a:latin typeface="Constantia"/>
+            <a:endParaRPr b="0" lang="ru-RU" sz="3200" spc="-1" strike="noStrike">
+              <a:latin typeface="Arial"/>
             </a:endParaRPr>
           </a:p>
         </p:txBody>
@@ -369,7 +347,7 @@
       </p:grpSpPr>
       <p:sp>
         <p:nvSpPr>
-          <p:cNvPr id="39" name="PlaceHolder 1"/>
+          <p:cNvPr id="36" name="PlaceHolder 1"/>
           <p:cNvSpPr>
             <a:spLocks noGrp="1"/>
           </p:cNvSpPr>
@@ -379,8 +357,8 @@
         </p:nvSpPr>
         <p:spPr>
           <a:xfrm>
-            <a:off x="457200" y="704160"/>
-            <a:ext cx="8229240" cy="1142640"/>
+            <a:off x="457200" y="221040"/>
+            <a:ext cx="8229240" cy="1250280"/>
           </a:xfrm>
           <a:prstGeom prst="rect">
             <a:avLst/>
@@ -391,18 +369,16 @@
             <a:noAutofit/>
           </a:bodyPr>
           <a:p>
-            <a:endParaRPr b="0" lang="ru-RU" sz="1800" spc="-1" strike="noStrike">
-              <a:solidFill>
-                <a:srgbClr val="000000"/>
-              </a:solidFill>
-              <a:latin typeface="Constantia"/>
-            </a:endParaRPr>
-          </a:p>
-        </p:txBody>
-      </p:sp>
-      <p:sp>
-        <p:nvSpPr>
-          <p:cNvPr id="40" name="PlaceHolder 2"/>
+            <a:pPr algn="ctr"/>
+            <a:endParaRPr b="0" lang="ru-RU" sz="4400" spc="-1" strike="noStrike">
+              <a:latin typeface="Arial"/>
+            </a:endParaRPr>
+          </a:p>
+        </p:txBody>
+      </p:sp>
+      <p:sp>
+        <p:nvSpPr>
+          <p:cNvPr id="37" name="PlaceHolder 2"/>
           <p:cNvSpPr>
             <a:spLocks noGrp="1"/>
           </p:cNvSpPr>
@@ -412,8 +388,8 @@
         </p:nvSpPr>
         <p:spPr>
           <a:xfrm>
-            <a:off x="457200" y="1935360"/>
-            <a:ext cx="2649600" cy="2093400"/>
+            <a:off x="457200" y="1604520"/>
+            <a:ext cx="2649600" cy="1896840"/>
           </a:xfrm>
           <a:prstGeom prst="rect">
             <a:avLst/>
@@ -421,21 +397,18 @@
         </p:spPr>
         <p:txBody>
           <a:bodyPr lIns="0" rIns="0" tIns="0" bIns="0">
-            <a:normAutofit/>
-          </a:bodyPr>
-          <a:p>
-            <a:endParaRPr b="0" lang="ru-RU" sz="2600" spc="-1" strike="noStrike">
-              <a:solidFill>
-                <a:srgbClr val="000000"/>
-              </a:solidFill>
-              <a:latin typeface="Constantia"/>
-            </a:endParaRPr>
-          </a:p>
-        </p:txBody>
-      </p:sp>
-      <p:sp>
-        <p:nvSpPr>
-          <p:cNvPr id="41" name="PlaceHolder 3"/>
+            <a:normAutofit fontScale="76000"/>
+          </a:bodyPr>
+          <a:p>
+            <a:endParaRPr b="0" lang="ru-RU" sz="3200" spc="-1" strike="noStrike">
+              <a:latin typeface="Arial"/>
+            </a:endParaRPr>
+          </a:p>
+        </p:txBody>
+      </p:sp>
+      <p:sp>
+        <p:nvSpPr>
+          <p:cNvPr id="38" name="PlaceHolder 3"/>
           <p:cNvSpPr>
             <a:spLocks noGrp="1"/>
           </p:cNvSpPr>
@@ -445,8 +418,8 @@
         </p:nvSpPr>
         <p:spPr>
           <a:xfrm>
-            <a:off x="3239640" y="1935360"/>
-            <a:ext cx="2649600" cy="2093400"/>
+            <a:off x="3239640" y="1604520"/>
+            <a:ext cx="2649600" cy="1896840"/>
           </a:xfrm>
           <a:prstGeom prst="rect">
             <a:avLst/>
@@ -454,21 +427,18 @@
         </p:spPr>
         <p:txBody>
           <a:bodyPr lIns="0" rIns="0" tIns="0" bIns="0">
-            <a:normAutofit/>
-          </a:bodyPr>
-          <a:p>
-            <a:endParaRPr b="0" lang="ru-RU" sz="2600" spc="-1" strike="noStrike">
-              <a:solidFill>
-                <a:srgbClr val="000000"/>
-              </a:solidFill>
-              <a:latin typeface="Constantia"/>
-            </a:endParaRPr>
-          </a:p>
-        </p:txBody>
-      </p:sp>
-      <p:sp>
-        <p:nvSpPr>
-          <p:cNvPr id="42" name="PlaceHolder 4"/>
+            <a:normAutofit fontScale="76000"/>
+          </a:bodyPr>
+          <a:p>
+            <a:endParaRPr b="0" lang="ru-RU" sz="3200" spc="-1" strike="noStrike">
+              <a:latin typeface="Arial"/>
+            </a:endParaRPr>
+          </a:p>
+        </p:txBody>
+      </p:sp>
+      <p:sp>
+        <p:nvSpPr>
+          <p:cNvPr id="39" name="PlaceHolder 4"/>
           <p:cNvSpPr>
             <a:spLocks noGrp="1"/>
           </p:cNvSpPr>
@@ -478,8 +448,8 @@
         </p:nvSpPr>
         <p:spPr>
           <a:xfrm>
-            <a:off x="6022080" y="1935360"/>
-            <a:ext cx="2649600" cy="2093400"/>
+            <a:off x="6022080" y="1604520"/>
+            <a:ext cx="2649600" cy="1896840"/>
           </a:xfrm>
           <a:prstGeom prst="rect">
             <a:avLst/>
@@ -487,21 +457,18 @@
         </p:spPr>
         <p:txBody>
           <a:bodyPr lIns="0" rIns="0" tIns="0" bIns="0">
-            <a:normAutofit/>
-          </a:bodyPr>
-          <a:p>
-            <a:endParaRPr b="0" lang="ru-RU" sz="2600" spc="-1" strike="noStrike">
-              <a:solidFill>
-                <a:srgbClr val="000000"/>
-              </a:solidFill>
-              <a:latin typeface="Constantia"/>
-            </a:endParaRPr>
-          </a:p>
-        </p:txBody>
-      </p:sp>
-      <p:sp>
-        <p:nvSpPr>
-          <p:cNvPr id="43" name="PlaceHolder 5"/>
+            <a:normAutofit fontScale="76000"/>
+          </a:bodyPr>
+          <a:p>
+            <a:endParaRPr b="0" lang="ru-RU" sz="3200" spc="-1" strike="noStrike">
+              <a:latin typeface="Arial"/>
+            </a:endParaRPr>
+          </a:p>
+        </p:txBody>
+      </p:sp>
+      <p:sp>
+        <p:nvSpPr>
+          <p:cNvPr id="40" name="PlaceHolder 5"/>
           <p:cNvSpPr>
             <a:spLocks noGrp="1"/>
           </p:cNvSpPr>
@@ -511,8 +478,8 @@
         </p:nvSpPr>
         <p:spPr>
           <a:xfrm>
-            <a:off x="457200" y="4228200"/>
-            <a:ext cx="2649600" cy="2093400"/>
+            <a:off x="457200" y="3682080"/>
+            <a:ext cx="2649600" cy="1896840"/>
           </a:xfrm>
           <a:prstGeom prst="rect">
             <a:avLst/>
@@ -520,21 +487,18 @@
         </p:spPr>
         <p:txBody>
           <a:bodyPr lIns="0" rIns="0" tIns="0" bIns="0">
-            <a:normAutofit/>
-          </a:bodyPr>
-          <a:p>
-            <a:endParaRPr b="0" lang="ru-RU" sz="2600" spc="-1" strike="noStrike">
-              <a:solidFill>
-                <a:srgbClr val="000000"/>
-              </a:solidFill>
-              <a:latin typeface="Constantia"/>
-            </a:endParaRPr>
-          </a:p>
-        </p:txBody>
-      </p:sp>
-      <p:sp>
-        <p:nvSpPr>
-          <p:cNvPr id="44" name="PlaceHolder 6"/>
+            <a:normAutofit fontScale="76000"/>
+          </a:bodyPr>
+          <a:p>
+            <a:endParaRPr b="0" lang="ru-RU" sz="3200" spc="-1" strike="noStrike">
+              <a:latin typeface="Arial"/>
+            </a:endParaRPr>
+          </a:p>
+        </p:txBody>
+      </p:sp>
+      <p:sp>
+        <p:nvSpPr>
+          <p:cNvPr id="41" name="PlaceHolder 6"/>
           <p:cNvSpPr>
             <a:spLocks noGrp="1"/>
           </p:cNvSpPr>
@@ -544,8 +508,8 @@
         </p:nvSpPr>
         <p:spPr>
           <a:xfrm>
-            <a:off x="3239640" y="4228200"/>
-            <a:ext cx="2649600" cy="2093400"/>
+            <a:off x="3239640" y="3682080"/>
+            <a:ext cx="2649600" cy="1896840"/>
           </a:xfrm>
           <a:prstGeom prst="rect">
             <a:avLst/>
@@ -553,21 +517,18 @@
         </p:spPr>
         <p:txBody>
           <a:bodyPr lIns="0" rIns="0" tIns="0" bIns="0">
-            <a:normAutofit/>
-          </a:bodyPr>
-          <a:p>
-            <a:endParaRPr b="0" lang="ru-RU" sz="2600" spc="-1" strike="noStrike">
-              <a:solidFill>
-                <a:srgbClr val="000000"/>
-              </a:solidFill>
-              <a:latin typeface="Constantia"/>
-            </a:endParaRPr>
-          </a:p>
-        </p:txBody>
-      </p:sp>
-      <p:sp>
-        <p:nvSpPr>
-          <p:cNvPr id="45" name="PlaceHolder 7"/>
+            <a:normAutofit fontScale="76000"/>
+          </a:bodyPr>
+          <a:p>
+            <a:endParaRPr b="0" lang="ru-RU" sz="3200" spc="-1" strike="noStrike">
+              <a:latin typeface="Arial"/>
+            </a:endParaRPr>
+          </a:p>
+        </p:txBody>
+      </p:sp>
+      <p:sp>
+        <p:nvSpPr>
+          <p:cNvPr id="42" name="PlaceHolder 7"/>
           <p:cNvSpPr>
             <a:spLocks noGrp="1"/>
           </p:cNvSpPr>
@@ -577,8 +538,8 @@
         </p:nvSpPr>
         <p:spPr>
           <a:xfrm>
-            <a:off x="6022080" y="4228200"/>
-            <a:ext cx="2649600" cy="2093400"/>
+            <a:off x="6022080" y="3682080"/>
+            <a:ext cx="2649600" cy="1896840"/>
           </a:xfrm>
           <a:prstGeom prst="rect">
             <a:avLst/>
@@ -586,14 +547,11 @@
         </p:spPr>
         <p:txBody>
           <a:bodyPr lIns="0" rIns="0" tIns="0" bIns="0">
-            <a:normAutofit/>
-          </a:bodyPr>
-          <a:p>
-            <a:endParaRPr b="0" lang="ru-RU" sz="2600" spc="-1" strike="noStrike">
-              <a:solidFill>
-                <a:srgbClr val="000000"/>
-              </a:solidFill>
-              <a:latin typeface="Constantia"/>
+            <a:normAutofit fontScale="76000"/>
+          </a:bodyPr>
+          <a:p>
+            <a:endParaRPr b="0" lang="ru-RU" sz="3200" spc="-1" strike="noStrike">
+              <a:latin typeface="Arial"/>
             </a:endParaRPr>
           </a:p>
         </p:txBody>
@@ -644,7 +602,7 @@
       </p:grpSpPr>
       <p:sp>
         <p:nvSpPr>
-          <p:cNvPr id="56" name="PlaceHolder 1"/>
+          <p:cNvPr id="50" name="PlaceHolder 1"/>
           <p:cNvSpPr>
             <a:spLocks noGrp="1"/>
           </p:cNvSpPr>
@@ -654,8 +612,8 @@
         </p:nvSpPr>
         <p:spPr>
           <a:xfrm>
-            <a:off x="457200" y="704160"/>
-            <a:ext cx="8229240" cy="1142640"/>
+            <a:off x="457200" y="221040"/>
+            <a:ext cx="8229240" cy="1250280"/>
           </a:xfrm>
           <a:prstGeom prst="rect">
             <a:avLst/>
@@ -666,18 +624,16 @@
             <a:noAutofit/>
           </a:bodyPr>
           <a:p>
-            <a:endParaRPr b="0" lang="ru-RU" sz="1800" spc="-1" strike="noStrike">
-              <a:solidFill>
-                <a:srgbClr val="000000"/>
-              </a:solidFill>
-              <a:latin typeface="Constantia"/>
-            </a:endParaRPr>
-          </a:p>
-        </p:txBody>
-      </p:sp>
-      <p:sp>
-        <p:nvSpPr>
-          <p:cNvPr id="57" name="PlaceHolder 2"/>
+            <a:pPr algn="ctr"/>
+            <a:endParaRPr b="0" lang="ru-RU" sz="4400" spc="-1" strike="noStrike">
+              <a:latin typeface="Arial"/>
+            </a:endParaRPr>
+          </a:p>
+        </p:txBody>
+      </p:sp>
+      <p:sp>
+        <p:nvSpPr>
+          <p:cNvPr id="51" name="PlaceHolder 2"/>
           <p:cNvSpPr>
             <a:spLocks noGrp="1"/>
           </p:cNvSpPr>
@@ -687,8 +643,8 @@
         </p:nvSpPr>
         <p:spPr>
           <a:xfrm>
-            <a:off x="457200" y="1935360"/>
-            <a:ext cx="8229240" cy="4388760"/>
+            <a:off x="457200" y="1604520"/>
+            <a:ext cx="8229240" cy="3977280"/>
           </a:xfrm>
           <a:prstGeom prst="rect">
             <a:avLst/>
@@ -730,7 +686,7 @@
       </p:grpSpPr>
       <p:sp>
         <p:nvSpPr>
-          <p:cNvPr id="58" name="PlaceHolder 1"/>
+          <p:cNvPr id="52" name="PlaceHolder 1"/>
           <p:cNvSpPr>
             <a:spLocks noGrp="1"/>
           </p:cNvSpPr>
@@ -740,8 +696,8 @@
         </p:nvSpPr>
         <p:spPr>
           <a:xfrm>
-            <a:off x="457200" y="704160"/>
-            <a:ext cx="8229240" cy="1142640"/>
+            <a:off x="457200" y="221040"/>
+            <a:ext cx="8229240" cy="1250280"/>
           </a:xfrm>
           <a:prstGeom prst="rect">
             <a:avLst/>
@@ -752,18 +708,16 @@
             <a:noAutofit/>
           </a:bodyPr>
           <a:p>
-            <a:endParaRPr b="0" lang="ru-RU" sz="1800" spc="-1" strike="noStrike">
-              <a:solidFill>
-                <a:srgbClr val="000000"/>
-              </a:solidFill>
-              <a:latin typeface="Constantia"/>
-            </a:endParaRPr>
-          </a:p>
-        </p:txBody>
-      </p:sp>
-      <p:sp>
-        <p:nvSpPr>
-          <p:cNvPr id="59" name="PlaceHolder 2"/>
+            <a:pPr algn="ctr"/>
+            <a:endParaRPr b="0" lang="ru-RU" sz="4400" spc="-1" strike="noStrike">
+              <a:latin typeface="Arial"/>
+            </a:endParaRPr>
+          </a:p>
+        </p:txBody>
+      </p:sp>
+      <p:sp>
+        <p:nvSpPr>
+          <p:cNvPr id="53" name="PlaceHolder 2"/>
           <p:cNvSpPr>
             <a:spLocks noGrp="1"/>
           </p:cNvSpPr>
@@ -773,8 +727,8 @@
         </p:nvSpPr>
         <p:spPr>
           <a:xfrm>
-            <a:off x="457200" y="1935360"/>
-            <a:ext cx="8229240" cy="4388760"/>
+            <a:off x="457200" y="1604520"/>
+            <a:ext cx="8229240" cy="3977280"/>
           </a:xfrm>
           <a:prstGeom prst="rect">
             <a:avLst/>
@@ -785,11 +739,8 @@
             <a:normAutofit/>
           </a:bodyPr>
           <a:p>
-            <a:endParaRPr b="0" lang="ru-RU" sz="2600" spc="-1" strike="noStrike">
-              <a:solidFill>
-                <a:srgbClr val="000000"/>
-              </a:solidFill>
-              <a:latin typeface="Constantia"/>
+            <a:endParaRPr b="0" lang="ru-RU" sz="3200" spc="-1" strike="noStrike">
+              <a:latin typeface="Arial"/>
             </a:endParaRPr>
           </a:p>
         </p:txBody>
@@ -818,7 +769,7 @@
       </p:grpSpPr>
       <p:sp>
         <p:nvSpPr>
-          <p:cNvPr id="60" name="PlaceHolder 1"/>
+          <p:cNvPr id="54" name="PlaceHolder 1"/>
           <p:cNvSpPr>
             <a:spLocks noGrp="1"/>
           </p:cNvSpPr>
@@ -828,8 +779,8 @@
         </p:nvSpPr>
         <p:spPr>
           <a:xfrm>
-            <a:off x="457200" y="704160"/>
-            <a:ext cx="8229240" cy="1142640"/>
+            <a:off x="457200" y="221040"/>
+            <a:ext cx="8229240" cy="1250280"/>
           </a:xfrm>
           <a:prstGeom prst="rect">
             <a:avLst/>
@@ -840,18 +791,16 @@
             <a:noAutofit/>
           </a:bodyPr>
           <a:p>
-            <a:endParaRPr b="0" lang="ru-RU" sz="1800" spc="-1" strike="noStrike">
-              <a:solidFill>
-                <a:srgbClr val="000000"/>
-              </a:solidFill>
-              <a:latin typeface="Constantia"/>
-            </a:endParaRPr>
-          </a:p>
-        </p:txBody>
-      </p:sp>
-      <p:sp>
-        <p:nvSpPr>
-          <p:cNvPr id="61" name="PlaceHolder 2"/>
+            <a:pPr algn="ctr"/>
+            <a:endParaRPr b="0" lang="ru-RU" sz="4400" spc="-1" strike="noStrike">
+              <a:latin typeface="Arial"/>
+            </a:endParaRPr>
+          </a:p>
+        </p:txBody>
+      </p:sp>
+      <p:sp>
+        <p:nvSpPr>
+          <p:cNvPr id="55" name="PlaceHolder 2"/>
           <p:cNvSpPr>
             <a:spLocks noGrp="1"/>
           </p:cNvSpPr>
@@ -861,8 +810,8 @@
         </p:nvSpPr>
         <p:spPr>
           <a:xfrm>
-            <a:off x="457200" y="1935360"/>
-            <a:ext cx="4015800" cy="4388760"/>
+            <a:off x="457200" y="1604520"/>
+            <a:ext cx="4015800" cy="3977280"/>
           </a:xfrm>
           <a:prstGeom prst="rect">
             <a:avLst/>
@@ -873,18 +822,15 @@
             <a:normAutofit/>
           </a:bodyPr>
           <a:p>
-            <a:endParaRPr b="0" lang="ru-RU" sz="2600" spc="-1" strike="noStrike">
-              <a:solidFill>
-                <a:srgbClr val="000000"/>
-              </a:solidFill>
-              <a:latin typeface="Constantia"/>
-            </a:endParaRPr>
-          </a:p>
-        </p:txBody>
-      </p:sp>
-      <p:sp>
-        <p:nvSpPr>
-          <p:cNvPr id="62" name="PlaceHolder 3"/>
+            <a:endParaRPr b="0" lang="ru-RU" sz="3200" spc="-1" strike="noStrike">
+              <a:latin typeface="Arial"/>
+            </a:endParaRPr>
+          </a:p>
+        </p:txBody>
+      </p:sp>
+      <p:sp>
+        <p:nvSpPr>
+          <p:cNvPr id="56" name="PlaceHolder 3"/>
           <p:cNvSpPr>
             <a:spLocks noGrp="1"/>
           </p:cNvSpPr>
@@ -894,8 +840,8 @@
         </p:nvSpPr>
         <p:spPr>
           <a:xfrm>
-            <a:off x="4674240" y="1935360"/>
-            <a:ext cx="4015800" cy="4388760"/>
+            <a:off x="4674240" y="1604520"/>
+            <a:ext cx="4015800" cy="3977280"/>
           </a:xfrm>
           <a:prstGeom prst="rect">
             <a:avLst/>
@@ -906,11 +852,8 @@
             <a:normAutofit/>
           </a:bodyPr>
           <a:p>
-            <a:endParaRPr b="0" lang="ru-RU" sz="2600" spc="-1" strike="noStrike">
-              <a:solidFill>
-                <a:srgbClr val="000000"/>
-              </a:solidFill>
-              <a:latin typeface="Constantia"/>
+            <a:endParaRPr b="0" lang="ru-RU" sz="3200" spc="-1" strike="noStrike">
+              <a:latin typeface="Arial"/>
             </a:endParaRPr>
           </a:p>
         </p:txBody>
@@ -939,7 +882,7 @@
       </p:grpSpPr>
       <p:sp>
         <p:nvSpPr>
-          <p:cNvPr id="63" name="PlaceHolder 1"/>
+          <p:cNvPr id="57" name="PlaceHolder 1"/>
           <p:cNvSpPr>
             <a:spLocks noGrp="1"/>
           </p:cNvSpPr>
@@ -949,8 +892,8 @@
         </p:nvSpPr>
         <p:spPr>
           <a:xfrm>
-            <a:off x="457200" y="704160"/>
-            <a:ext cx="8229240" cy="1142640"/>
+            <a:off x="457200" y="221040"/>
+            <a:ext cx="8229240" cy="1250280"/>
           </a:xfrm>
           <a:prstGeom prst="rect">
             <a:avLst/>
@@ -961,11 +904,9 @@
             <a:noAutofit/>
           </a:bodyPr>
           <a:p>
-            <a:endParaRPr b="0" lang="ru-RU" sz="1800" spc="-1" strike="noStrike">
-              <a:solidFill>
-                <a:srgbClr val="000000"/>
-              </a:solidFill>
-              <a:latin typeface="Constantia"/>
+            <a:pPr algn="ctr"/>
+            <a:endParaRPr b="0" lang="ru-RU" sz="4400" spc="-1" strike="noStrike">
+              <a:latin typeface="Arial"/>
             </a:endParaRPr>
           </a:p>
         </p:txBody>
@@ -994,7 +935,7 @@
       </p:grpSpPr>
       <p:sp>
         <p:nvSpPr>
-          <p:cNvPr id="64" name="PlaceHolder 1"/>
+          <p:cNvPr id="58" name="PlaceHolder 1"/>
           <p:cNvSpPr>
             <a:spLocks noGrp="1"/>
           </p:cNvSpPr>
@@ -1004,8 +945,8 @@
         </p:nvSpPr>
         <p:spPr>
           <a:xfrm>
-            <a:off x="457200" y="704160"/>
-            <a:ext cx="8229240" cy="5297760"/>
+            <a:off x="457200" y="273600"/>
+            <a:ext cx="8229240" cy="5307840"/>
           </a:xfrm>
           <a:prstGeom prst="rect">
             <a:avLst/>
@@ -1047,7 +988,7 @@
       </p:grpSpPr>
       <p:sp>
         <p:nvSpPr>
-          <p:cNvPr id="65" name="PlaceHolder 1"/>
+          <p:cNvPr id="59" name="PlaceHolder 1"/>
           <p:cNvSpPr>
             <a:spLocks noGrp="1"/>
           </p:cNvSpPr>
@@ -1057,8 +998,8 @@
         </p:nvSpPr>
         <p:spPr>
           <a:xfrm>
-            <a:off x="457200" y="704160"/>
-            <a:ext cx="8229240" cy="1142640"/>
+            <a:off x="457200" y="221040"/>
+            <a:ext cx="8229240" cy="1250280"/>
           </a:xfrm>
           <a:prstGeom prst="rect">
             <a:avLst/>
@@ -1069,18 +1010,16 @@
             <a:noAutofit/>
           </a:bodyPr>
           <a:p>
-            <a:endParaRPr b="0" lang="ru-RU" sz="1800" spc="-1" strike="noStrike">
-              <a:solidFill>
-                <a:srgbClr val="000000"/>
-              </a:solidFill>
-              <a:latin typeface="Constantia"/>
-            </a:endParaRPr>
-          </a:p>
-        </p:txBody>
-      </p:sp>
-      <p:sp>
-        <p:nvSpPr>
-          <p:cNvPr id="66" name="PlaceHolder 2"/>
+            <a:pPr algn="ctr"/>
+            <a:endParaRPr b="0" lang="ru-RU" sz="4400" spc="-1" strike="noStrike">
+              <a:latin typeface="Arial"/>
+            </a:endParaRPr>
+          </a:p>
+        </p:txBody>
+      </p:sp>
+      <p:sp>
+        <p:nvSpPr>
+          <p:cNvPr id="60" name="PlaceHolder 2"/>
           <p:cNvSpPr>
             <a:spLocks noGrp="1"/>
           </p:cNvSpPr>
@@ -1090,8 +1029,8 @@
         </p:nvSpPr>
         <p:spPr>
           <a:xfrm>
-            <a:off x="457200" y="1935360"/>
-            <a:ext cx="4015800" cy="2093400"/>
+            <a:off x="457200" y="1604520"/>
+            <a:ext cx="4015800" cy="1896840"/>
           </a:xfrm>
           <a:prstGeom prst="rect">
             <a:avLst/>
@@ -1102,18 +1041,15 @@
             <a:normAutofit/>
           </a:bodyPr>
           <a:p>
-            <a:endParaRPr b="0" lang="ru-RU" sz="2600" spc="-1" strike="noStrike">
-              <a:solidFill>
-                <a:srgbClr val="000000"/>
-              </a:solidFill>
-              <a:latin typeface="Constantia"/>
-            </a:endParaRPr>
-          </a:p>
-        </p:txBody>
-      </p:sp>
-      <p:sp>
-        <p:nvSpPr>
-          <p:cNvPr id="67" name="PlaceHolder 3"/>
+            <a:endParaRPr b="0" lang="ru-RU" sz="3200" spc="-1" strike="noStrike">
+              <a:latin typeface="Arial"/>
+            </a:endParaRPr>
+          </a:p>
+        </p:txBody>
+      </p:sp>
+      <p:sp>
+        <p:nvSpPr>
+          <p:cNvPr id="61" name="PlaceHolder 3"/>
           <p:cNvSpPr>
             <a:spLocks noGrp="1"/>
           </p:cNvSpPr>
@@ -1123,8 +1059,8 @@
         </p:nvSpPr>
         <p:spPr>
           <a:xfrm>
-            <a:off x="4674240" y="1935360"/>
-            <a:ext cx="4015800" cy="4388760"/>
+            <a:off x="4674240" y="1604520"/>
+            <a:ext cx="4015800" cy="3977280"/>
           </a:xfrm>
           <a:prstGeom prst="rect">
             <a:avLst/>
@@ -1135,18 +1071,15 @@
             <a:normAutofit/>
           </a:bodyPr>
           <a:p>
-            <a:endParaRPr b="0" lang="ru-RU" sz="2600" spc="-1" strike="noStrike">
-              <a:solidFill>
-                <a:srgbClr val="000000"/>
-              </a:solidFill>
-              <a:latin typeface="Constantia"/>
-            </a:endParaRPr>
-          </a:p>
-        </p:txBody>
-      </p:sp>
-      <p:sp>
-        <p:nvSpPr>
-          <p:cNvPr id="68" name="PlaceHolder 4"/>
+            <a:endParaRPr b="0" lang="ru-RU" sz="3200" spc="-1" strike="noStrike">
+              <a:latin typeface="Arial"/>
+            </a:endParaRPr>
+          </a:p>
+        </p:txBody>
+      </p:sp>
+      <p:sp>
+        <p:nvSpPr>
+          <p:cNvPr id="62" name="PlaceHolder 4"/>
           <p:cNvSpPr>
             <a:spLocks noGrp="1"/>
           </p:cNvSpPr>
@@ -1156,8 +1089,8 @@
         </p:nvSpPr>
         <p:spPr>
           <a:xfrm>
-            <a:off x="457200" y="4228200"/>
-            <a:ext cx="4015800" cy="2093400"/>
+            <a:off x="457200" y="3682080"/>
+            <a:ext cx="4015800" cy="1896840"/>
           </a:xfrm>
           <a:prstGeom prst="rect">
             <a:avLst/>
@@ -1168,11 +1101,8 @@
             <a:normAutofit/>
           </a:bodyPr>
           <a:p>
-            <a:endParaRPr b="0" lang="ru-RU" sz="2600" spc="-1" strike="noStrike">
-              <a:solidFill>
-                <a:srgbClr val="000000"/>
-              </a:solidFill>
-              <a:latin typeface="Constantia"/>
+            <a:endParaRPr b="0" lang="ru-RU" sz="3200" spc="-1" strike="noStrike">
+              <a:latin typeface="Arial"/>
             </a:endParaRPr>
           </a:p>
         </p:txBody>
@@ -1201,7 +1131,7 @@
       </p:grpSpPr>
       <p:sp>
         <p:nvSpPr>
-          <p:cNvPr id="10" name="PlaceHolder 1"/>
+          <p:cNvPr id="7" name="PlaceHolder 1"/>
           <p:cNvSpPr>
             <a:spLocks noGrp="1"/>
           </p:cNvSpPr>
@@ -1211,8 +1141,8 @@
         </p:nvSpPr>
         <p:spPr>
           <a:xfrm>
-            <a:off x="457200" y="704160"/>
-            <a:ext cx="8229240" cy="1142640"/>
+            <a:off x="457200" y="221040"/>
+            <a:ext cx="8229240" cy="1250280"/>
           </a:xfrm>
           <a:prstGeom prst="rect">
             <a:avLst/>
@@ -1223,18 +1153,16 @@
             <a:noAutofit/>
           </a:bodyPr>
           <a:p>
-            <a:endParaRPr b="0" lang="ru-RU" sz="1800" spc="-1" strike="noStrike">
-              <a:solidFill>
-                <a:srgbClr val="000000"/>
-              </a:solidFill>
-              <a:latin typeface="Constantia"/>
-            </a:endParaRPr>
-          </a:p>
-        </p:txBody>
-      </p:sp>
-      <p:sp>
-        <p:nvSpPr>
-          <p:cNvPr id="11" name="PlaceHolder 2"/>
+            <a:pPr algn="ctr"/>
+            <a:endParaRPr b="0" lang="ru-RU" sz="4400" spc="-1" strike="noStrike">
+              <a:latin typeface="Arial"/>
+            </a:endParaRPr>
+          </a:p>
+        </p:txBody>
+      </p:sp>
+      <p:sp>
+        <p:nvSpPr>
+          <p:cNvPr id="8" name="PlaceHolder 2"/>
           <p:cNvSpPr>
             <a:spLocks noGrp="1"/>
           </p:cNvSpPr>
@@ -1244,8 +1172,8 @@
         </p:nvSpPr>
         <p:spPr>
           <a:xfrm>
-            <a:off x="457200" y="1935360"/>
-            <a:ext cx="8229240" cy="4388760"/>
+            <a:off x="457200" y="1604520"/>
+            <a:ext cx="8229240" cy="3977280"/>
           </a:xfrm>
           <a:prstGeom prst="rect">
             <a:avLst/>
@@ -1287,7 +1215,7 @@
       </p:grpSpPr>
       <p:sp>
         <p:nvSpPr>
-          <p:cNvPr id="69" name="PlaceHolder 1"/>
+          <p:cNvPr id="63" name="PlaceHolder 1"/>
           <p:cNvSpPr>
             <a:spLocks noGrp="1"/>
           </p:cNvSpPr>
@@ -1297,8 +1225,8 @@
         </p:nvSpPr>
         <p:spPr>
           <a:xfrm>
-            <a:off x="457200" y="704160"/>
-            <a:ext cx="8229240" cy="1142640"/>
+            <a:off x="457200" y="221040"/>
+            <a:ext cx="8229240" cy="1250280"/>
           </a:xfrm>
           <a:prstGeom prst="rect">
             <a:avLst/>
@@ -1309,18 +1237,16 @@
             <a:noAutofit/>
           </a:bodyPr>
           <a:p>
-            <a:endParaRPr b="0" lang="ru-RU" sz="1800" spc="-1" strike="noStrike">
-              <a:solidFill>
-                <a:srgbClr val="000000"/>
-              </a:solidFill>
-              <a:latin typeface="Constantia"/>
-            </a:endParaRPr>
-          </a:p>
-        </p:txBody>
-      </p:sp>
-      <p:sp>
-        <p:nvSpPr>
-          <p:cNvPr id="70" name="PlaceHolder 2"/>
+            <a:pPr algn="ctr"/>
+            <a:endParaRPr b="0" lang="ru-RU" sz="4400" spc="-1" strike="noStrike">
+              <a:latin typeface="Arial"/>
+            </a:endParaRPr>
+          </a:p>
+        </p:txBody>
+      </p:sp>
+      <p:sp>
+        <p:nvSpPr>
+          <p:cNvPr id="64" name="PlaceHolder 2"/>
           <p:cNvSpPr>
             <a:spLocks noGrp="1"/>
           </p:cNvSpPr>
@@ -1330,8 +1256,8 @@
         </p:nvSpPr>
         <p:spPr>
           <a:xfrm>
-            <a:off x="457200" y="1935360"/>
-            <a:ext cx="4015800" cy="4388760"/>
+            <a:off x="457200" y="1604520"/>
+            <a:ext cx="4015800" cy="3977280"/>
           </a:xfrm>
           <a:prstGeom prst="rect">
             <a:avLst/>
@@ -1342,18 +1268,15 @@
             <a:normAutofit/>
           </a:bodyPr>
           <a:p>
-            <a:endParaRPr b="0" lang="ru-RU" sz="2600" spc="-1" strike="noStrike">
-              <a:solidFill>
-                <a:srgbClr val="000000"/>
-              </a:solidFill>
-              <a:latin typeface="Constantia"/>
-            </a:endParaRPr>
-          </a:p>
-        </p:txBody>
-      </p:sp>
-      <p:sp>
-        <p:nvSpPr>
-          <p:cNvPr id="71" name="PlaceHolder 3"/>
+            <a:endParaRPr b="0" lang="ru-RU" sz="3200" spc="-1" strike="noStrike">
+              <a:latin typeface="Arial"/>
+            </a:endParaRPr>
+          </a:p>
+        </p:txBody>
+      </p:sp>
+      <p:sp>
+        <p:nvSpPr>
+          <p:cNvPr id="65" name="PlaceHolder 3"/>
           <p:cNvSpPr>
             <a:spLocks noGrp="1"/>
           </p:cNvSpPr>
@@ -1363,8 +1286,8 @@
         </p:nvSpPr>
         <p:spPr>
           <a:xfrm>
-            <a:off x="4674240" y="1935360"/>
-            <a:ext cx="4015800" cy="2093400"/>
+            <a:off x="4674240" y="1604520"/>
+            <a:ext cx="4015800" cy="1896840"/>
           </a:xfrm>
           <a:prstGeom prst="rect">
             <a:avLst/>
@@ -1375,18 +1298,15 @@
             <a:normAutofit/>
           </a:bodyPr>
           <a:p>
-            <a:endParaRPr b="0" lang="ru-RU" sz="2600" spc="-1" strike="noStrike">
-              <a:solidFill>
-                <a:srgbClr val="000000"/>
-              </a:solidFill>
-              <a:latin typeface="Constantia"/>
-            </a:endParaRPr>
-          </a:p>
-        </p:txBody>
-      </p:sp>
-      <p:sp>
-        <p:nvSpPr>
-          <p:cNvPr id="72" name="PlaceHolder 4"/>
+            <a:endParaRPr b="0" lang="ru-RU" sz="3200" spc="-1" strike="noStrike">
+              <a:latin typeface="Arial"/>
+            </a:endParaRPr>
+          </a:p>
+        </p:txBody>
+      </p:sp>
+      <p:sp>
+        <p:nvSpPr>
+          <p:cNvPr id="66" name="PlaceHolder 4"/>
           <p:cNvSpPr>
             <a:spLocks noGrp="1"/>
           </p:cNvSpPr>
@@ -1396,8 +1316,8 @@
         </p:nvSpPr>
         <p:spPr>
           <a:xfrm>
-            <a:off x="4674240" y="4228200"/>
-            <a:ext cx="4015800" cy="2093400"/>
+            <a:off x="4674240" y="3682080"/>
+            <a:ext cx="4015800" cy="1896840"/>
           </a:xfrm>
           <a:prstGeom prst="rect">
             <a:avLst/>
@@ -1408,11 +1328,8 @@
             <a:normAutofit/>
           </a:bodyPr>
           <a:p>
-            <a:endParaRPr b="0" lang="ru-RU" sz="2600" spc="-1" strike="noStrike">
-              <a:solidFill>
-                <a:srgbClr val="000000"/>
-              </a:solidFill>
-              <a:latin typeface="Constantia"/>
+            <a:endParaRPr b="0" lang="ru-RU" sz="3200" spc="-1" strike="noStrike">
+              <a:latin typeface="Arial"/>
             </a:endParaRPr>
           </a:p>
         </p:txBody>
@@ -1441,7 +1358,7 @@
       </p:grpSpPr>
       <p:sp>
         <p:nvSpPr>
-          <p:cNvPr id="73" name="PlaceHolder 1"/>
+          <p:cNvPr id="67" name="PlaceHolder 1"/>
           <p:cNvSpPr>
             <a:spLocks noGrp="1"/>
           </p:cNvSpPr>
@@ -1451,8 +1368,8 @@
         </p:nvSpPr>
         <p:spPr>
           <a:xfrm>
-            <a:off x="457200" y="704160"/>
-            <a:ext cx="8229240" cy="1142640"/>
+            <a:off x="457200" y="221040"/>
+            <a:ext cx="8229240" cy="1250280"/>
           </a:xfrm>
           <a:prstGeom prst="rect">
             <a:avLst/>
@@ -1463,18 +1380,16 @@
             <a:noAutofit/>
           </a:bodyPr>
           <a:p>
-            <a:endParaRPr b="0" lang="ru-RU" sz="1800" spc="-1" strike="noStrike">
-              <a:solidFill>
-                <a:srgbClr val="000000"/>
-              </a:solidFill>
-              <a:latin typeface="Constantia"/>
-            </a:endParaRPr>
-          </a:p>
-        </p:txBody>
-      </p:sp>
-      <p:sp>
-        <p:nvSpPr>
-          <p:cNvPr id="74" name="PlaceHolder 2"/>
+            <a:pPr algn="ctr"/>
+            <a:endParaRPr b="0" lang="ru-RU" sz="4400" spc="-1" strike="noStrike">
+              <a:latin typeface="Arial"/>
+            </a:endParaRPr>
+          </a:p>
+        </p:txBody>
+      </p:sp>
+      <p:sp>
+        <p:nvSpPr>
+          <p:cNvPr id="68" name="PlaceHolder 2"/>
           <p:cNvSpPr>
             <a:spLocks noGrp="1"/>
           </p:cNvSpPr>
@@ -1484,8 +1399,8 @@
         </p:nvSpPr>
         <p:spPr>
           <a:xfrm>
-            <a:off x="457200" y="1935360"/>
-            <a:ext cx="4015800" cy="2093400"/>
+            <a:off x="457200" y="1604520"/>
+            <a:ext cx="4015800" cy="1896840"/>
           </a:xfrm>
           <a:prstGeom prst="rect">
             <a:avLst/>
@@ -1496,18 +1411,15 @@
             <a:normAutofit/>
           </a:bodyPr>
           <a:p>
-            <a:endParaRPr b="0" lang="ru-RU" sz="2600" spc="-1" strike="noStrike">
-              <a:solidFill>
-                <a:srgbClr val="000000"/>
-              </a:solidFill>
-              <a:latin typeface="Constantia"/>
-            </a:endParaRPr>
-          </a:p>
-        </p:txBody>
-      </p:sp>
-      <p:sp>
-        <p:nvSpPr>
-          <p:cNvPr id="75" name="PlaceHolder 3"/>
+            <a:endParaRPr b="0" lang="ru-RU" sz="3200" spc="-1" strike="noStrike">
+              <a:latin typeface="Arial"/>
+            </a:endParaRPr>
+          </a:p>
+        </p:txBody>
+      </p:sp>
+      <p:sp>
+        <p:nvSpPr>
+          <p:cNvPr id="69" name="PlaceHolder 3"/>
           <p:cNvSpPr>
             <a:spLocks noGrp="1"/>
           </p:cNvSpPr>
@@ -1517,8 +1429,8 @@
         </p:nvSpPr>
         <p:spPr>
           <a:xfrm>
-            <a:off x="4674240" y="1935360"/>
-            <a:ext cx="4015800" cy="2093400"/>
+            <a:off x="4674240" y="1604520"/>
+            <a:ext cx="4015800" cy="1896840"/>
           </a:xfrm>
           <a:prstGeom prst="rect">
             <a:avLst/>
@@ -1529,18 +1441,15 @@
             <a:normAutofit/>
           </a:bodyPr>
           <a:p>
-            <a:endParaRPr b="0" lang="ru-RU" sz="2600" spc="-1" strike="noStrike">
-              <a:solidFill>
-                <a:srgbClr val="000000"/>
-              </a:solidFill>
-              <a:latin typeface="Constantia"/>
-            </a:endParaRPr>
-          </a:p>
-        </p:txBody>
-      </p:sp>
-      <p:sp>
-        <p:nvSpPr>
-          <p:cNvPr id="76" name="PlaceHolder 4"/>
+            <a:endParaRPr b="0" lang="ru-RU" sz="3200" spc="-1" strike="noStrike">
+              <a:latin typeface="Arial"/>
+            </a:endParaRPr>
+          </a:p>
+        </p:txBody>
+      </p:sp>
+      <p:sp>
+        <p:nvSpPr>
+          <p:cNvPr id="70" name="PlaceHolder 4"/>
           <p:cNvSpPr>
             <a:spLocks noGrp="1"/>
           </p:cNvSpPr>
@@ -1550,8 +1459,8 @@
         </p:nvSpPr>
         <p:spPr>
           <a:xfrm>
-            <a:off x="457200" y="4228200"/>
-            <a:ext cx="8229240" cy="2093400"/>
+            <a:off x="457200" y="3682080"/>
+            <a:ext cx="8229240" cy="1896840"/>
           </a:xfrm>
           <a:prstGeom prst="rect">
             <a:avLst/>
@@ -1562,11 +1471,8 @@
             <a:normAutofit/>
           </a:bodyPr>
           <a:p>
-            <a:endParaRPr b="0" lang="ru-RU" sz="2600" spc="-1" strike="noStrike">
-              <a:solidFill>
-                <a:srgbClr val="000000"/>
-              </a:solidFill>
-              <a:latin typeface="Constantia"/>
+            <a:endParaRPr b="0" lang="ru-RU" sz="3200" spc="-1" strike="noStrike">
+              <a:latin typeface="Arial"/>
             </a:endParaRPr>
           </a:p>
         </p:txBody>
@@ -1595,7 +1501,7 @@
       </p:grpSpPr>
       <p:sp>
         <p:nvSpPr>
-          <p:cNvPr id="77" name="PlaceHolder 1"/>
+          <p:cNvPr id="71" name="PlaceHolder 1"/>
           <p:cNvSpPr>
             <a:spLocks noGrp="1"/>
           </p:cNvSpPr>
@@ -1605,8 +1511,8 @@
         </p:nvSpPr>
         <p:spPr>
           <a:xfrm>
-            <a:off x="457200" y="704160"/>
-            <a:ext cx="8229240" cy="1142640"/>
+            <a:off x="457200" y="221040"/>
+            <a:ext cx="8229240" cy="1250280"/>
           </a:xfrm>
           <a:prstGeom prst="rect">
             <a:avLst/>
@@ -1617,18 +1523,16 @@
             <a:noAutofit/>
           </a:bodyPr>
           <a:p>
-            <a:endParaRPr b="0" lang="ru-RU" sz="1800" spc="-1" strike="noStrike">
-              <a:solidFill>
-                <a:srgbClr val="000000"/>
-              </a:solidFill>
-              <a:latin typeface="Constantia"/>
-            </a:endParaRPr>
-          </a:p>
-        </p:txBody>
-      </p:sp>
-      <p:sp>
-        <p:nvSpPr>
-          <p:cNvPr id="78" name="PlaceHolder 2"/>
+            <a:pPr algn="ctr"/>
+            <a:endParaRPr b="0" lang="ru-RU" sz="4400" spc="-1" strike="noStrike">
+              <a:latin typeface="Arial"/>
+            </a:endParaRPr>
+          </a:p>
+        </p:txBody>
+      </p:sp>
+      <p:sp>
+        <p:nvSpPr>
+          <p:cNvPr id="72" name="PlaceHolder 2"/>
           <p:cNvSpPr>
             <a:spLocks noGrp="1"/>
           </p:cNvSpPr>
@@ -1638,8 +1542,8 @@
         </p:nvSpPr>
         <p:spPr>
           <a:xfrm>
-            <a:off x="457200" y="1935360"/>
-            <a:ext cx="8229240" cy="2093400"/>
+            <a:off x="457200" y="1604520"/>
+            <a:ext cx="8229240" cy="1896840"/>
           </a:xfrm>
           <a:prstGeom prst="rect">
             <a:avLst/>
@@ -1650,18 +1554,15 @@
             <a:normAutofit/>
           </a:bodyPr>
           <a:p>
-            <a:endParaRPr b="0" lang="ru-RU" sz="2600" spc="-1" strike="noStrike">
-              <a:solidFill>
-                <a:srgbClr val="000000"/>
-              </a:solidFill>
-              <a:latin typeface="Constantia"/>
-            </a:endParaRPr>
-          </a:p>
-        </p:txBody>
-      </p:sp>
-      <p:sp>
-        <p:nvSpPr>
-          <p:cNvPr id="79" name="PlaceHolder 3"/>
+            <a:endParaRPr b="0" lang="ru-RU" sz="3200" spc="-1" strike="noStrike">
+              <a:latin typeface="Arial"/>
+            </a:endParaRPr>
+          </a:p>
+        </p:txBody>
+      </p:sp>
+      <p:sp>
+        <p:nvSpPr>
+          <p:cNvPr id="73" name="PlaceHolder 3"/>
           <p:cNvSpPr>
             <a:spLocks noGrp="1"/>
           </p:cNvSpPr>
@@ -1671,8 +1572,8 @@
         </p:nvSpPr>
         <p:spPr>
           <a:xfrm>
-            <a:off x="457200" y="4228200"/>
-            <a:ext cx="8229240" cy="2093400"/>
+            <a:off x="457200" y="3682080"/>
+            <a:ext cx="8229240" cy="1896840"/>
           </a:xfrm>
           <a:prstGeom prst="rect">
             <a:avLst/>
@@ -1683,11 +1584,8 @@
             <a:normAutofit/>
           </a:bodyPr>
           <a:p>
-            <a:endParaRPr b="0" lang="ru-RU" sz="2600" spc="-1" strike="noStrike">
-              <a:solidFill>
-                <a:srgbClr val="000000"/>
-              </a:solidFill>
-              <a:latin typeface="Constantia"/>
+            <a:endParaRPr b="0" lang="ru-RU" sz="3200" spc="-1" strike="noStrike">
+              <a:latin typeface="Arial"/>
             </a:endParaRPr>
           </a:p>
         </p:txBody>
@@ -1716,7 +1614,7 @@
       </p:grpSpPr>
       <p:sp>
         <p:nvSpPr>
-          <p:cNvPr id="80" name="PlaceHolder 1"/>
+          <p:cNvPr id="74" name="PlaceHolder 1"/>
           <p:cNvSpPr>
             <a:spLocks noGrp="1"/>
           </p:cNvSpPr>
@@ -1726,8 +1624,8 @@
         </p:nvSpPr>
         <p:spPr>
           <a:xfrm>
-            <a:off x="457200" y="704160"/>
-            <a:ext cx="8229240" cy="1142640"/>
+            <a:off x="457200" y="221040"/>
+            <a:ext cx="8229240" cy="1250280"/>
           </a:xfrm>
           <a:prstGeom prst="rect">
             <a:avLst/>
@@ -1738,18 +1636,16 @@
             <a:noAutofit/>
           </a:bodyPr>
           <a:p>
-            <a:endParaRPr b="0" lang="ru-RU" sz="1800" spc="-1" strike="noStrike">
-              <a:solidFill>
-                <a:srgbClr val="000000"/>
-              </a:solidFill>
-              <a:latin typeface="Constantia"/>
-            </a:endParaRPr>
-          </a:p>
-        </p:txBody>
-      </p:sp>
-      <p:sp>
-        <p:nvSpPr>
-          <p:cNvPr id="81" name="PlaceHolder 2"/>
+            <a:pPr algn="ctr"/>
+            <a:endParaRPr b="0" lang="ru-RU" sz="4400" spc="-1" strike="noStrike">
+              <a:latin typeface="Arial"/>
+            </a:endParaRPr>
+          </a:p>
+        </p:txBody>
+      </p:sp>
+      <p:sp>
+        <p:nvSpPr>
+          <p:cNvPr id="75" name="PlaceHolder 2"/>
           <p:cNvSpPr>
             <a:spLocks noGrp="1"/>
           </p:cNvSpPr>
@@ -1759,8 +1655,8 @@
         </p:nvSpPr>
         <p:spPr>
           <a:xfrm>
-            <a:off x="457200" y="1935360"/>
-            <a:ext cx="4015800" cy="2093400"/>
+            <a:off x="457200" y="1604520"/>
+            <a:ext cx="4015800" cy="1896840"/>
           </a:xfrm>
           <a:prstGeom prst="rect">
             <a:avLst/>
@@ -1771,18 +1667,15 @@
             <a:normAutofit/>
           </a:bodyPr>
           <a:p>
-            <a:endParaRPr b="0" lang="ru-RU" sz="2600" spc="-1" strike="noStrike">
-              <a:solidFill>
-                <a:srgbClr val="000000"/>
-              </a:solidFill>
-              <a:latin typeface="Constantia"/>
-            </a:endParaRPr>
-          </a:p>
-        </p:txBody>
-      </p:sp>
-      <p:sp>
-        <p:nvSpPr>
-          <p:cNvPr id="82" name="PlaceHolder 3"/>
+            <a:endParaRPr b="0" lang="ru-RU" sz="3200" spc="-1" strike="noStrike">
+              <a:latin typeface="Arial"/>
+            </a:endParaRPr>
+          </a:p>
+        </p:txBody>
+      </p:sp>
+      <p:sp>
+        <p:nvSpPr>
+          <p:cNvPr id="76" name="PlaceHolder 3"/>
           <p:cNvSpPr>
             <a:spLocks noGrp="1"/>
           </p:cNvSpPr>
@@ -1792,8 +1685,8 @@
         </p:nvSpPr>
         <p:spPr>
           <a:xfrm>
-            <a:off x="4674240" y="1935360"/>
-            <a:ext cx="4015800" cy="2093400"/>
+            <a:off x="4674240" y="1604520"/>
+            <a:ext cx="4015800" cy="1896840"/>
           </a:xfrm>
           <a:prstGeom prst="rect">
             <a:avLst/>
@@ -1804,18 +1697,15 @@
             <a:normAutofit/>
           </a:bodyPr>
           <a:p>
-            <a:endParaRPr b="0" lang="ru-RU" sz="2600" spc="-1" strike="noStrike">
-              <a:solidFill>
-                <a:srgbClr val="000000"/>
-              </a:solidFill>
-              <a:latin typeface="Constantia"/>
-            </a:endParaRPr>
-          </a:p>
-        </p:txBody>
-      </p:sp>
-      <p:sp>
-        <p:nvSpPr>
-          <p:cNvPr id="83" name="PlaceHolder 4"/>
+            <a:endParaRPr b="0" lang="ru-RU" sz="3200" spc="-1" strike="noStrike">
+              <a:latin typeface="Arial"/>
+            </a:endParaRPr>
+          </a:p>
+        </p:txBody>
+      </p:sp>
+      <p:sp>
+        <p:nvSpPr>
+          <p:cNvPr id="77" name="PlaceHolder 4"/>
           <p:cNvSpPr>
             <a:spLocks noGrp="1"/>
           </p:cNvSpPr>
@@ -1825,8 +1715,8 @@
         </p:nvSpPr>
         <p:spPr>
           <a:xfrm>
-            <a:off x="457200" y="4228200"/>
-            <a:ext cx="4015800" cy="2093400"/>
+            <a:off x="457200" y="3682080"/>
+            <a:ext cx="4015800" cy="1896840"/>
           </a:xfrm>
           <a:prstGeom prst="rect">
             <a:avLst/>
@@ -1837,18 +1727,15 @@
             <a:normAutofit/>
           </a:bodyPr>
           <a:p>
-            <a:endParaRPr b="0" lang="ru-RU" sz="2600" spc="-1" strike="noStrike">
-              <a:solidFill>
-                <a:srgbClr val="000000"/>
-              </a:solidFill>
-              <a:latin typeface="Constantia"/>
-            </a:endParaRPr>
-          </a:p>
-        </p:txBody>
-      </p:sp>
-      <p:sp>
-        <p:nvSpPr>
-          <p:cNvPr id="84" name="PlaceHolder 5"/>
+            <a:endParaRPr b="0" lang="ru-RU" sz="3200" spc="-1" strike="noStrike">
+              <a:latin typeface="Arial"/>
+            </a:endParaRPr>
+          </a:p>
+        </p:txBody>
+      </p:sp>
+      <p:sp>
+        <p:nvSpPr>
+          <p:cNvPr id="78" name="PlaceHolder 5"/>
           <p:cNvSpPr>
             <a:spLocks noGrp="1"/>
           </p:cNvSpPr>
@@ -1858,8 +1745,8 @@
         </p:nvSpPr>
         <p:spPr>
           <a:xfrm>
-            <a:off x="4674240" y="4228200"/>
-            <a:ext cx="4015800" cy="2093400"/>
+            <a:off x="4674240" y="3682080"/>
+            <a:ext cx="4015800" cy="1896840"/>
           </a:xfrm>
           <a:prstGeom prst="rect">
             <a:avLst/>
@@ -1870,11 +1757,8 @@
             <a:normAutofit/>
           </a:bodyPr>
           <a:p>
-            <a:endParaRPr b="0" lang="ru-RU" sz="2600" spc="-1" strike="noStrike">
-              <a:solidFill>
-                <a:srgbClr val="000000"/>
-              </a:solidFill>
-              <a:latin typeface="Constantia"/>
+            <a:endParaRPr b="0" lang="ru-RU" sz="3200" spc="-1" strike="noStrike">
+              <a:latin typeface="Arial"/>
             </a:endParaRPr>
           </a:p>
         </p:txBody>
@@ -1903,7 +1787,7 @@
       </p:grpSpPr>
       <p:sp>
         <p:nvSpPr>
-          <p:cNvPr id="85" name="PlaceHolder 1"/>
+          <p:cNvPr id="79" name="PlaceHolder 1"/>
           <p:cNvSpPr>
             <a:spLocks noGrp="1"/>
           </p:cNvSpPr>
@@ -1913,8 +1797,8 @@
         </p:nvSpPr>
         <p:spPr>
           <a:xfrm>
-            <a:off x="457200" y="704160"/>
-            <a:ext cx="8229240" cy="1142640"/>
+            <a:off x="457200" y="221040"/>
+            <a:ext cx="8229240" cy="1250280"/>
           </a:xfrm>
           <a:prstGeom prst="rect">
             <a:avLst/>
@@ -1925,18 +1809,16 @@
             <a:noAutofit/>
           </a:bodyPr>
           <a:p>
-            <a:endParaRPr b="0" lang="ru-RU" sz="1800" spc="-1" strike="noStrike">
-              <a:solidFill>
-                <a:srgbClr val="000000"/>
-              </a:solidFill>
-              <a:latin typeface="Constantia"/>
-            </a:endParaRPr>
-          </a:p>
-        </p:txBody>
-      </p:sp>
-      <p:sp>
-        <p:nvSpPr>
-          <p:cNvPr id="86" name="PlaceHolder 2"/>
+            <a:pPr algn="ctr"/>
+            <a:endParaRPr b="0" lang="ru-RU" sz="4400" spc="-1" strike="noStrike">
+              <a:latin typeface="Arial"/>
+            </a:endParaRPr>
+          </a:p>
+        </p:txBody>
+      </p:sp>
+      <p:sp>
+        <p:nvSpPr>
+          <p:cNvPr id="80" name="PlaceHolder 2"/>
           <p:cNvSpPr>
             <a:spLocks noGrp="1"/>
           </p:cNvSpPr>
@@ -1946,8 +1828,8 @@
         </p:nvSpPr>
         <p:spPr>
           <a:xfrm>
-            <a:off x="457200" y="1935360"/>
-            <a:ext cx="2649600" cy="2093400"/>
+            <a:off x="457200" y="1604520"/>
+            <a:ext cx="2649600" cy="1896840"/>
           </a:xfrm>
           <a:prstGeom prst="rect">
             <a:avLst/>
@@ -1955,21 +1837,18 @@
         </p:spPr>
         <p:txBody>
           <a:bodyPr lIns="0" rIns="0" tIns="0" bIns="0">
-            <a:normAutofit/>
-          </a:bodyPr>
-          <a:p>
-            <a:endParaRPr b="0" lang="ru-RU" sz="2600" spc="-1" strike="noStrike">
-              <a:solidFill>
-                <a:srgbClr val="000000"/>
-              </a:solidFill>
-              <a:latin typeface="Constantia"/>
-            </a:endParaRPr>
-          </a:p>
-        </p:txBody>
-      </p:sp>
-      <p:sp>
-        <p:nvSpPr>
-          <p:cNvPr id="87" name="PlaceHolder 3"/>
+            <a:normAutofit fontScale="76000"/>
+          </a:bodyPr>
+          <a:p>
+            <a:endParaRPr b="0" lang="ru-RU" sz="3200" spc="-1" strike="noStrike">
+              <a:latin typeface="Arial"/>
+            </a:endParaRPr>
+          </a:p>
+        </p:txBody>
+      </p:sp>
+      <p:sp>
+        <p:nvSpPr>
+          <p:cNvPr id="81" name="PlaceHolder 3"/>
           <p:cNvSpPr>
             <a:spLocks noGrp="1"/>
           </p:cNvSpPr>
@@ -1979,8 +1858,8 @@
         </p:nvSpPr>
         <p:spPr>
           <a:xfrm>
-            <a:off x="3239640" y="1935360"/>
-            <a:ext cx="2649600" cy="2093400"/>
+            <a:off x="3239640" y="1604520"/>
+            <a:ext cx="2649600" cy="1896840"/>
           </a:xfrm>
           <a:prstGeom prst="rect">
             <a:avLst/>
@@ -1988,21 +1867,18 @@
         </p:spPr>
         <p:txBody>
           <a:bodyPr lIns="0" rIns="0" tIns="0" bIns="0">
-            <a:normAutofit/>
-          </a:bodyPr>
-          <a:p>
-            <a:endParaRPr b="0" lang="ru-RU" sz="2600" spc="-1" strike="noStrike">
-              <a:solidFill>
-                <a:srgbClr val="000000"/>
-              </a:solidFill>
-              <a:latin typeface="Constantia"/>
-            </a:endParaRPr>
-          </a:p>
-        </p:txBody>
-      </p:sp>
-      <p:sp>
-        <p:nvSpPr>
-          <p:cNvPr id="88" name="PlaceHolder 4"/>
+            <a:normAutofit fontScale="76000"/>
+          </a:bodyPr>
+          <a:p>
+            <a:endParaRPr b="0" lang="ru-RU" sz="3200" spc="-1" strike="noStrike">
+              <a:latin typeface="Arial"/>
+            </a:endParaRPr>
+          </a:p>
+        </p:txBody>
+      </p:sp>
+      <p:sp>
+        <p:nvSpPr>
+          <p:cNvPr id="82" name="PlaceHolder 4"/>
           <p:cNvSpPr>
             <a:spLocks noGrp="1"/>
           </p:cNvSpPr>
@@ -2012,8 +1888,8 @@
         </p:nvSpPr>
         <p:spPr>
           <a:xfrm>
-            <a:off x="6022080" y="1935360"/>
-            <a:ext cx="2649600" cy="2093400"/>
+            <a:off x="6022080" y="1604520"/>
+            <a:ext cx="2649600" cy="1896840"/>
           </a:xfrm>
           <a:prstGeom prst="rect">
             <a:avLst/>
@@ -2021,21 +1897,18 @@
         </p:spPr>
         <p:txBody>
           <a:bodyPr lIns="0" rIns="0" tIns="0" bIns="0">
-            <a:normAutofit/>
-          </a:bodyPr>
-          <a:p>
-            <a:endParaRPr b="0" lang="ru-RU" sz="2600" spc="-1" strike="noStrike">
-              <a:solidFill>
-                <a:srgbClr val="000000"/>
-              </a:solidFill>
-              <a:latin typeface="Constantia"/>
-            </a:endParaRPr>
-          </a:p>
-        </p:txBody>
-      </p:sp>
-      <p:sp>
-        <p:nvSpPr>
-          <p:cNvPr id="89" name="PlaceHolder 5"/>
+            <a:normAutofit fontScale="76000"/>
+          </a:bodyPr>
+          <a:p>
+            <a:endParaRPr b="0" lang="ru-RU" sz="3200" spc="-1" strike="noStrike">
+              <a:latin typeface="Arial"/>
+            </a:endParaRPr>
+          </a:p>
+        </p:txBody>
+      </p:sp>
+      <p:sp>
+        <p:nvSpPr>
+          <p:cNvPr id="83" name="PlaceHolder 5"/>
           <p:cNvSpPr>
             <a:spLocks noGrp="1"/>
           </p:cNvSpPr>
@@ -2045,8 +1918,8 @@
         </p:nvSpPr>
         <p:spPr>
           <a:xfrm>
-            <a:off x="457200" y="4228200"/>
-            <a:ext cx="2649600" cy="2093400"/>
+            <a:off x="457200" y="3682080"/>
+            <a:ext cx="2649600" cy="1896840"/>
           </a:xfrm>
           <a:prstGeom prst="rect">
             <a:avLst/>
@@ -2054,21 +1927,18 @@
         </p:spPr>
         <p:txBody>
           <a:bodyPr lIns="0" rIns="0" tIns="0" bIns="0">
-            <a:normAutofit/>
-          </a:bodyPr>
-          <a:p>
-            <a:endParaRPr b="0" lang="ru-RU" sz="2600" spc="-1" strike="noStrike">
-              <a:solidFill>
-                <a:srgbClr val="000000"/>
-              </a:solidFill>
-              <a:latin typeface="Constantia"/>
-            </a:endParaRPr>
-          </a:p>
-        </p:txBody>
-      </p:sp>
-      <p:sp>
-        <p:nvSpPr>
-          <p:cNvPr id="90" name="PlaceHolder 6"/>
+            <a:normAutofit fontScale="76000"/>
+          </a:bodyPr>
+          <a:p>
+            <a:endParaRPr b="0" lang="ru-RU" sz="3200" spc="-1" strike="noStrike">
+              <a:latin typeface="Arial"/>
+            </a:endParaRPr>
+          </a:p>
+        </p:txBody>
+      </p:sp>
+      <p:sp>
+        <p:nvSpPr>
+          <p:cNvPr id="84" name="PlaceHolder 6"/>
           <p:cNvSpPr>
             <a:spLocks noGrp="1"/>
           </p:cNvSpPr>
@@ -2078,8 +1948,8 @@
         </p:nvSpPr>
         <p:spPr>
           <a:xfrm>
-            <a:off x="3239640" y="4228200"/>
-            <a:ext cx="2649600" cy="2093400"/>
+            <a:off x="3239640" y="3682080"/>
+            <a:ext cx="2649600" cy="1896840"/>
           </a:xfrm>
           <a:prstGeom prst="rect">
             <a:avLst/>
@@ -2087,21 +1957,18 @@
         </p:spPr>
         <p:txBody>
           <a:bodyPr lIns="0" rIns="0" tIns="0" bIns="0">
-            <a:normAutofit/>
-          </a:bodyPr>
-          <a:p>
-            <a:endParaRPr b="0" lang="ru-RU" sz="2600" spc="-1" strike="noStrike">
-              <a:solidFill>
-                <a:srgbClr val="000000"/>
-              </a:solidFill>
-              <a:latin typeface="Constantia"/>
-            </a:endParaRPr>
-          </a:p>
-        </p:txBody>
-      </p:sp>
-      <p:sp>
-        <p:nvSpPr>
-          <p:cNvPr id="91" name="PlaceHolder 7"/>
+            <a:normAutofit fontScale="76000"/>
+          </a:bodyPr>
+          <a:p>
+            <a:endParaRPr b="0" lang="ru-RU" sz="3200" spc="-1" strike="noStrike">
+              <a:latin typeface="Arial"/>
+            </a:endParaRPr>
+          </a:p>
+        </p:txBody>
+      </p:sp>
+      <p:sp>
+        <p:nvSpPr>
+          <p:cNvPr id="85" name="PlaceHolder 7"/>
           <p:cNvSpPr>
             <a:spLocks noGrp="1"/>
           </p:cNvSpPr>
@@ -2111,8 +1978,8 @@
         </p:nvSpPr>
         <p:spPr>
           <a:xfrm>
-            <a:off x="6022080" y="4228200"/>
-            <a:ext cx="2649600" cy="2093400"/>
+            <a:off x="6022080" y="3682080"/>
+            <a:ext cx="2649600" cy="1896840"/>
           </a:xfrm>
           <a:prstGeom prst="rect">
             <a:avLst/>
@@ -2120,14 +1987,11 @@
         </p:spPr>
         <p:txBody>
           <a:bodyPr lIns="0" rIns="0" tIns="0" bIns="0">
-            <a:normAutofit/>
-          </a:bodyPr>
-          <a:p>
-            <a:endParaRPr b="0" lang="ru-RU" sz="2600" spc="-1" strike="noStrike">
-              <a:solidFill>
-                <a:srgbClr val="000000"/>
-              </a:solidFill>
-              <a:latin typeface="Constantia"/>
+            <a:normAutofit fontScale="76000"/>
+          </a:bodyPr>
+          <a:p>
+            <a:endParaRPr b="0" lang="ru-RU" sz="3200" spc="-1" strike="noStrike">
+              <a:latin typeface="Arial"/>
             </a:endParaRPr>
           </a:p>
         </p:txBody>
@@ -2156,7 +2020,7 @@
       </p:grpSpPr>
       <p:sp>
         <p:nvSpPr>
-          <p:cNvPr id="12" name="PlaceHolder 1"/>
+          <p:cNvPr id="9" name="PlaceHolder 1"/>
           <p:cNvSpPr>
             <a:spLocks noGrp="1"/>
           </p:cNvSpPr>
@@ -2166,8 +2030,8 @@
         </p:nvSpPr>
         <p:spPr>
           <a:xfrm>
-            <a:off x="457200" y="704160"/>
-            <a:ext cx="8229240" cy="1142640"/>
+            <a:off x="457200" y="221040"/>
+            <a:ext cx="8229240" cy="1250280"/>
           </a:xfrm>
           <a:prstGeom prst="rect">
             <a:avLst/>
@@ -2178,18 +2042,16 @@
             <a:noAutofit/>
           </a:bodyPr>
           <a:p>
-            <a:endParaRPr b="0" lang="ru-RU" sz="1800" spc="-1" strike="noStrike">
-              <a:solidFill>
-                <a:srgbClr val="000000"/>
-              </a:solidFill>
-              <a:latin typeface="Constantia"/>
-            </a:endParaRPr>
-          </a:p>
-        </p:txBody>
-      </p:sp>
-      <p:sp>
-        <p:nvSpPr>
-          <p:cNvPr id="13" name="PlaceHolder 2"/>
+            <a:pPr algn="ctr"/>
+            <a:endParaRPr b="0" lang="ru-RU" sz="4400" spc="-1" strike="noStrike">
+              <a:latin typeface="Arial"/>
+            </a:endParaRPr>
+          </a:p>
+        </p:txBody>
+      </p:sp>
+      <p:sp>
+        <p:nvSpPr>
+          <p:cNvPr id="10" name="PlaceHolder 2"/>
           <p:cNvSpPr>
             <a:spLocks noGrp="1"/>
           </p:cNvSpPr>
@@ -2199,8 +2061,8 @@
         </p:nvSpPr>
         <p:spPr>
           <a:xfrm>
-            <a:off x="457200" y="1935360"/>
-            <a:ext cx="8229240" cy="4388760"/>
+            <a:off x="457200" y="1604520"/>
+            <a:ext cx="8229240" cy="3977280"/>
           </a:xfrm>
           <a:prstGeom prst="rect">
             <a:avLst/>
@@ -2211,11 +2073,8 @@
             <a:normAutofit/>
           </a:bodyPr>
           <a:p>
-            <a:endParaRPr b="0" lang="ru-RU" sz="2600" spc="-1" strike="noStrike">
-              <a:solidFill>
-                <a:srgbClr val="000000"/>
-              </a:solidFill>
-              <a:latin typeface="Constantia"/>
+            <a:endParaRPr b="0" lang="ru-RU" sz="3200" spc="-1" strike="noStrike">
+              <a:latin typeface="Arial"/>
             </a:endParaRPr>
           </a:p>
         </p:txBody>
@@ -2244,7 +2103,7 @@
       </p:grpSpPr>
       <p:sp>
         <p:nvSpPr>
-          <p:cNvPr id="14" name="PlaceHolder 1"/>
+          <p:cNvPr id="11" name="PlaceHolder 1"/>
           <p:cNvSpPr>
             <a:spLocks noGrp="1"/>
           </p:cNvSpPr>
@@ -2254,8 +2113,8 @@
         </p:nvSpPr>
         <p:spPr>
           <a:xfrm>
-            <a:off x="457200" y="704160"/>
-            <a:ext cx="8229240" cy="1142640"/>
+            <a:off x="457200" y="221040"/>
+            <a:ext cx="8229240" cy="1250280"/>
           </a:xfrm>
           <a:prstGeom prst="rect">
             <a:avLst/>
@@ -2266,18 +2125,16 @@
             <a:noAutofit/>
           </a:bodyPr>
           <a:p>
-            <a:endParaRPr b="0" lang="ru-RU" sz="1800" spc="-1" strike="noStrike">
-              <a:solidFill>
-                <a:srgbClr val="000000"/>
-              </a:solidFill>
-              <a:latin typeface="Constantia"/>
-            </a:endParaRPr>
-          </a:p>
-        </p:txBody>
-      </p:sp>
-      <p:sp>
-        <p:nvSpPr>
-          <p:cNvPr id="15" name="PlaceHolder 2"/>
+            <a:pPr algn="ctr"/>
+            <a:endParaRPr b="0" lang="ru-RU" sz="4400" spc="-1" strike="noStrike">
+              <a:latin typeface="Arial"/>
+            </a:endParaRPr>
+          </a:p>
+        </p:txBody>
+      </p:sp>
+      <p:sp>
+        <p:nvSpPr>
+          <p:cNvPr id="12" name="PlaceHolder 2"/>
           <p:cNvSpPr>
             <a:spLocks noGrp="1"/>
           </p:cNvSpPr>
@@ -2287,8 +2144,8 @@
         </p:nvSpPr>
         <p:spPr>
           <a:xfrm>
-            <a:off x="457200" y="1935360"/>
-            <a:ext cx="4015800" cy="4388760"/>
+            <a:off x="457200" y="1604520"/>
+            <a:ext cx="4015800" cy="3977280"/>
           </a:xfrm>
           <a:prstGeom prst="rect">
             <a:avLst/>
@@ -2299,18 +2156,15 @@
             <a:normAutofit/>
           </a:bodyPr>
           <a:p>
-            <a:endParaRPr b="0" lang="ru-RU" sz="2600" spc="-1" strike="noStrike">
-              <a:solidFill>
-                <a:srgbClr val="000000"/>
-              </a:solidFill>
-              <a:latin typeface="Constantia"/>
-            </a:endParaRPr>
-          </a:p>
-        </p:txBody>
-      </p:sp>
-      <p:sp>
-        <p:nvSpPr>
-          <p:cNvPr id="16" name="PlaceHolder 3"/>
+            <a:endParaRPr b="0" lang="ru-RU" sz="3200" spc="-1" strike="noStrike">
+              <a:latin typeface="Arial"/>
+            </a:endParaRPr>
+          </a:p>
+        </p:txBody>
+      </p:sp>
+      <p:sp>
+        <p:nvSpPr>
+          <p:cNvPr id="13" name="PlaceHolder 3"/>
           <p:cNvSpPr>
             <a:spLocks noGrp="1"/>
           </p:cNvSpPr>
@@ -2320,8 +2174,8 @@
         </p:nvSpPr>
         <p:spPr>
           <a:xfrm>
-            <a:off x="4674240" y="1935360"/>
-            <a:ext cx="4015800" cy="4388760"/>
+            <a:off x="4674240" y="1604520"/>
+            <a:ext cx="4015800" cy="3977280"/>
           </a:xfrm>
           <a:prstGeom prst="rect">
             <a:avLst/>
@@ -2332,11 +2186,8 @@
             <a:normAutofit/>
           </a:bodyPr>
           <a:p>
-            <a:endParaRPr b="0" lang="ru-RU" sz="2600" spc="-1" strike="noStrike">
-              <a:solidFill>
-                <a:srgbClr val="000000"/>
-              </a:solidFill>
-              <a:latin typeface="Constantia"/>
+            <a:endParaRPr b="0" lang="ru-RU" sz="3200" spc="-1" strike="noStrike">
+              <a:latin typeface="Arial"/>
             </a:endParaRPr>
           </a:p>
         </p:txBody>
@@ -2365,7 +2216,7 @@
       </p:grpSpPr>
       <p:sp>
         <p:nvSpPr>
-          <p:cNvPr id="17" name="PlaceHolder 1"/>
+          <p:cNvPr id="14" name="PlaceHolder 1"/>
           <p:cNvSpPr>
             <a:spLocks noGrp="1"/>
           </p:cNvSpPr>
@@ -2375,8 +2226,8 @@
         </p:nvSpPr>
         <p:spPr>
           <a:xfrm>
-            <a:off x="457200" y="704160"/>
-            <a:ext cx="8229240" cy="1142640"/>
+            <a:off x="457200" y="221040"/>
+            <a:ext cx="8229240" cy="1250280"/>
           </a:xfrm>
           <a:prstGeom prst="rect">
             <a:avLst/>
@@ -2387,11 +2238,9 @@
             <a:noAutofit/>
           </a:bodyPr>
           <a:p>
-            <a:endParaRPr b="0" lang="ru-RU" sz="1800" spc="-1" strike="noStrike">
-              <a:solidFill>
-                <a:srgbClr val="000000"/>
-              </a:solidFill>
-              <a:latin typeface="Constantia"/>
+            <a:pPr algn="ctr"/>
+            <a:endParaRPr b="0" lang="ru-RU" sz="4400" spc="-1" strike="noStrike">
+              <a:latin typeface="Arial"/>
             </a:endParaRPr>
           </a:p>
         </p:txBody>
@@ -2420,7 +2269,7 @@
       </p:grpSpPr>
       <p:sp>
         <p:nvSpPr>
-          <p:cNvPr id="18" name="PlaceHolder 1"/>
+          <p:cNvPr id="15" name="PlaceHolder 1"/>
           <p:cNvSpPr>
             <a:spLocks noGrp="1"/>
           </p:cNvSpPr>
@@ -2430,8 +2279,8 @@
         </p:nvSpPr>
         <p:spPr>
           <a:xfrm>
-            <a:off x="457200" y="704160"/>
-            <a:ext cx="8229240" cy="5297760"/>
+            <a:off x="457200" y="273600"/>
+            <a:ext cx="8229240" cy="5307840"/>
           </a:xfrm>
           <a:prstGeom prst="rect">
             <a:avLst/>
@@ -2473,7 +2322,7 @@
       </p:grpSpPr>
       <p:sp>
         <p:nvSpPr>
-          <p:cNvPr id="19" name="PlaceHolder 1"/>
+          <p:cNvPr id="16" name="PlaceHolder 1"/>
           <p:cNvSpPr>
             <a:spLocks noGrp="1"/>
           </p:cNvSpPr>
@@ -2483,8 +2332,8 @@
         </p:nvSpPr>
         <p:spPr>
           <a:xfrm>
-            <a:off x="457200" y="704160"/>
-            <a:ext cx="8229240" cy="1142640"/>
+            <a:off x="457200" y="221040"/>
+            <a:ext cx="8229240" cy="1250280"/>
           </a:xfrm>
           <a:prstGeom prst="rect">
             <a:avLst/>
@@ -2495,18 +2344,16 @@
             <a:noAutofit/>
           </a:bodyPr>
           <a:p>
-            <a:endParaRPr b="0" lang="ru-RU" sz="1800" spc="-1" strike="noStrike">
-              <a:solidFill>
-                <a:srgbClr val="000000"/>
-              </a:solidFill>
-              <a:latin typeface="Constantia"/>
-            </a:endParaRPr>
-          </a:p>
-        </p:txBody>
-      </p:sp>
-      <p:sp>
-        <p:nvSpPr>
-          <p:cNvPr id="20" name="PlaceHolder 2"/>
+            <a:pPr algn="ctr"/>
+            <a:endParaRPr b="0" lang="ru-RU" sz="4400" spc="-1" strike="noStrike">
+              <a:latin typeface="Arial"/>
+            </a:endParaRPr>
+          </a:p>
+        </p:txBody>
+      </p:sp>
+      <p:sp>
+        <p:nvSpPr>
+          <p:cNvPr id="17" name="PlaceHolder 2"/>
           <p:cNvSpPr>
             <a:spLocks noGrp="1"/>
           </p:cNvSpPr>
@@ -2516,8 +2363,8 @@
         </p:nvSpPr>
         <p:spPr>
           <a:xfrm>
-            <a:off x="457200" y="1935360"/>
-            <a:ext cx="4015800" cy="2093400"/>
+            <a:off x="457200" y="1604520"/>
+            <a:ext cx="4015800" cy="1896840"/>
           </a:xfrm>
           <a:prstGeom prst="rect">
             <a:avLst/>
@@ -2528,18 +2375,15 @@
             <a:normAutofit/>
           </a:bodyPr>
           <a:p>
-            <a:endParaRPr b="0" lang="ru-RU" sz="2600" spc="-1" strike="noStrike">
-              <a:solidFill>
-                <a:srgbClr val="000000"/>
-              </a:solidFill>
-              <a:latin typeface="Constantia"/>
-            </a:endParaRPr>
-          </a:p>
-        </p:txBody>
-      </p:sp>
-      <p:sp>
-        <p:nvSpPr>
-          <p:cNvPr id="21" name="PlaceHolder 3"/>
+            <a:endParaRPr b="0" lang="ru-RU" sz="3200" spc="-1" strike="noStrike">
+              <a:latin typeface="Arial"/>
+            </a:endParaRPr>
+          </a:p>
+        </p:txBody>
+      </p:sp>
+      <p:sp>
+        <p:nvSpPr>
+          <p:cNvPr id="18" name="PlaceHolder 3"/>
           <p:cNvSpPr>
             <a:spLocks noGrp="1"/>
           </p:cNvSpPr>
@@ -2549,8 +2393,8 @@
         </p:nvSpPr>
         <p:spPr>
           <a:xfrm>
-            <a:off x="4674240" y="1935360"/>
-            <a:ext cx="4015800" cy="4388760"/>
+            <a:off x="4674240" y="1604520"/>
+            <a:ext cx="4015800" cy="3977280"/>
           </a:xfrm>
           <a:prstGeom prst="rect">
             <a:avLst/>
@@ -2561,18 +2405,15 @@
             <a:normAutofit/>
           </a:bodyPr>
           <a:p>
-            <a:endParaRPr b="0" lang="ru-RU" sz="2600" spc="-1" strike="noStrike">
-              <a:solidFill>
-                <a:srgbClr val="000000"/>
-              </a:solidFill>
-              <a:latin typeface="Constantia"/>
-            </a:endParaRPr>
-          </a:p>
-        </p:txBody>
-      </p:sp>
-      <p:sp>
-        <p:nvSpPr>
-          <p:cNvPr id="22" name="PlaceHolder 4"/>
+            <a:endParaRPr b="0" lang="ru-RU" sz="3200" spc="-1" strike="noStrike">
+              <a:latin typeface="Arial"/>
+            </a:endParaRPr>
+          </a:p>
+        </p:txBody>
+      </p:sp>
+      <p:sp>
+        <p:nvSpPr>
+          <p:cNvPr id="19" name="PlaceHolder 4"/>
           <p:cNvSpPr>
             <a:spLocks noGrp="1"/>
           </p:cNvSpPr>
@@ -2582,8 +2423,8 @@
         </p:nvSpPr>
         <p:spPr>
           <a:xfrm>
-            <a:off x="457200" y="4228200"/>
-            <a:ext cx="4015800" cy="2093400"/>
+            <a:off x="457200" y="3682080"/>
+            <a:ext cx="4015800" cy="1896840"/>
           </a:xfrm>
           <a:prstGeom prst="rect">
             <a:avLst/>
@@ -2594,11 +2435,8 @@
             <a:normAutofit/>
           </a:bodyPr>
           <a:p>
-            <a:endParaRPr b="0" lang="ru-RU" sz="2600" spc="-1" strike="noStrike">
-              <a:solidFill>
-                <a:srgbClr val="000000"/>
-              </a:solidFill>
-              <a:latin typeface="Constantia"/>
+            <a:endParaRPr b="0" lang="ru-RU" sz="3200" spc="-1" strike="noStrike">
+              <a:latin typeface="Arial"/>
             </a:endParaRPr>
           </a:p>
         </p:txBody>
@@ -2627,7 +2465,7 @@
       </p:grpSpPr>
       <p:sp>
         <p:nvSpPr>
-          <p:cNvPr id="23" name="PlaceHolder 1"/>
+          <p:cNvPr id="20" name="PlaceHolder 1"/>
           <p:cNvSpPr>
             <a:spLocks noGrp="1"/>
           </p:cNvSpPr>
@@ -2637,8 +2475,8 @@
         </p:nvSpPr>
         <p:spPr>
           <a:xfrm>
-            <a:off x="457200" y="704160"/>
-            <a:ext cx="8229240" cy="1142640"/>
+            <a:off x="457200" y="221040"/>
+            <a:ext cx="8229240" cy="1250280"/>
           </a:xfrm>
           <a:prstGeom prst="rect">
             <a:avLst/>
@@ -2649,18 +2487,16 @@
             <a:noAutofit/>
           </a:bodyPr>
           <a:p>
-            <a:endParaRPr b="0" lang="ru-RU" sz="1800" spc="-1" strike="noStrike">
-              <a:solidFill>
-                <a:srgbClr val="000000"/>
-              </a:solidFill>
-              <a:latin typeface="Constantia"/>
-            </a:endParaRPr>
-          </a:p>
-        </p:txBody>
-      </p:sp>
-      <p:sp>
-        <p:nvSpPr>
-          <p:cNvPr id="24" name="PlaceHolder 2"/>
+            <a:pPr algn="ctr"/>
+            <a:endParaRPr b="0" lang="ru-RU" sz="4400" spc="-1" strike="noStrike">
+              <a:latin typeface="Arial"/>
+            </a:endParaRPr>
+          </a:p>
+        </p:txBody>
+      </p:sp>
+      <p:sp>
+        <p:nvSpPr>
+          <p:cNvPr id="21" name="PlaceHolder 2"/>
           <p:cNvSpPr>
             <a:spLocks noGrp="1"/>
           </p:cNvSpPr>
@@ -2670,8 +2506,8 @@
         </p:nvSpPr>
         <p:spPr>
           <a:xfrm>
-            <a:off x="457200" y="1935360"/>
-            <a:ext cx="4015800" cy="4388760"/>
+            <a:off x="457200" y="1604520"/>
+            <a:ext cx="4015800" cy="3977280"/>
           </a:xfrm>
           <a:prstGeom prst="rect">
             <a:avLst/>
@@ -2682,18 +2518,15 @@
             <a:normAutofit/>
           </a:bodyPr>
           <a:p>
-            <a:endParaRPr b="0" lang="ru-RU" sz="2600" spc="-1" strike="noStrike">
-              <a:solidFill>
-                <a:srgbClr val="000000"/>
-              </a:solidFill>
-              <a:latin typeface="Constantia"/>
-            </a:endParaRPr>
-          </a:p>
-        </p:txBody>
-      </p:sp>
-      <p:sp>
-        <p:nvSpPr>
-          <p:cNvPr id="25" name="PlaceHolder 3"/>
+            <a:endParaRPr b="0" lang="ru-RU" sz="3200" spc="-1" strike="noStrike">
+              <a:latin typeface="Arial"/>
+            </a:endParaRPr>
+          </a:p>
+        </p:txBody>
+      </p:sp>
+      <p:sp>
+        <p:nvSpPr>
+          <p:cNvPr id="22" name="PlaceHolder 3"/>
           <p:cNvSpPr>
             <a:spLocks noGrp="1"/>
           </p:cNvSpPr>
@@ -2703,8 +2536,8 @@
         </p:nvSpPr>
         <p:spPr>
           <a:xfrm>
-            <a:off x="4674240" y="1935360"/>
-            <a:ext cx="4015800" cy="2093400"/>
+            <a:off x="4674240" y="1604520"/>
+            <a:ext cx="4015800" cy="1896840"/>
           </a:xfrm>
           <a:prstGeom prst="rect">
             <a:avLst/>
@@ -2715,18 +2548,15 @@
             <a:normAutofit/>
           </a:bodyPr>
           <a:p>
-            <a:endParaRPr b="0" lang="ru-RU" sz="2600" spc="-1" strike="noStrike">
-              <a:solidFill>
-                <a:srgbClr val="000000"/>
-              </a:solidFill>
-              <a:latin typeface="Constantia"/>
-            </a:endParaRPr>
-          </a:p>
-        </p:txBody>
-      </p:sp>
-      <p:sp>
-        <p:nvSpPr>
-          <p:cNvPr id="26" name="PlaceHolder 4"/>
+            <a:endParaRPr b="0" lang="ru-RU" sz="3200" spc="-1" strike="noStrike">
+              <a:latin typeface="Arial"/>
+            </a:endParaRPr>
+          </a:p>
+        </p:txBody>
+      </p:sp>
+      <p:sp>
+        <p:nvSpPr>
+          <p:cNvPr id="23" name="PlaceHolder 4"/>
           <p:cNvSpPr>
             <a:spLocks noGrp="1"/>
           </p:cNvSpPr>
@@ -2736,8 +2566,8 @@
         </p:nvSpPr>
         <p:spPr>
           <a:xfrm>
-            <a:off x="4674240" y="4228200"/>
-            <a:ext cx="4015800" cy="2093400"/>
+            <a:off x="4674240" y="3682080"/>
+            <a:ext cx="4015800" cy="1896840"/>
           </a:xfrm>
           <a:prstGeom prst="rect">
             <a:avLst/>
@@ -2748,11 +2578,8 @@
             <a:normAutofit/>
           </a:bodyPr>
           <a:p>
-            <a:endParaRPr b="0" lang="ru-RU" sz="2600" spc="-1" strike="noStrike">
-              <a:solidFill>
-                <a:srgbClr val="000000"/>
-              </a:solidFill>
-              <a:latin typeface="Constantia"/>
+            <a:endParaRPr b="0" lang="ru-RU" sz="3200" spc="-1" strike="noStrike">
+              <a:latin typeface="Arial"/>
             </a:endParaRPr>
           </a:p>
         </p:txBody>
@@ -2781,7 +2608,7 @@
       </p:grpSpPr>
       <p:sp>
         <p:nvSpPr>
-          <p:cNvPr id="27" name="PlaceHolder 1"/>
+          <p:cNvPr id="24" name="PlaceHolder 1"/>
           <p:cNvSpPr>
             <a:spLocks noGrp="1"/>
           </p:cNvSpPr>
@@ -2791,8 +2618,8 @@
         </p:nvSpPr>
         <p:spPr>
           <a:xfrm>
-            <a:off x="457200" y="704160"/>
-            <a:ext cx="8229240" cy="1142640"/>
+            <a:off x="457200" y="221040"/>
+            <a:ext cx="8229240" cy="1250280"/>
           </a:xfrm>
           <a:prstGeom prst="rect">
             <a:avLst/>
@@ -2803,18 +2630,16 @@
             <a:noAutofit/>
           </a:bodyPr>
           <a:p>
-            <a:endParaRPr b="0" lang="ru-RU" sz="1800" spc="-1" strike="noStrike">
-              <a:solidFill>
-                <a:srgbClr val="000000"/>
-              </a:solidFill>
-              <a:latin typeface="Constantia"/>
-            </a:endParaRPr>
-          </a:p>
-        </p:txBody>
-      </p:sp>
-      <p:sp>
-        <p:nvSpPr>
-          <p:cNvPr id="28" name="PlaceHolder 2"/>
+            <a:pPr algn="ctr"/>
+            <a:endParaRPr b="0" lang="ru-RU" sz="4400" spc="-1" strike="noStrike">
+              <a:latin typeface="Arial"/>
+            </a:endParaRPr>
+          </a:p>
+        </p:txBody>
+      </p:sp>
+      <p:sp>
+        <p:nvSpPr>
+          <p:cNvPr id="25" name="PlaceHolder 2"/>
           <p:cNvSpPr>
             <a:spLocks noGrp="1"/>
           </p:cNvSpPr>
@@ -2824,8 +2649,8 @@
         </p:nvSpPr>
         <p:spPr>
           <a:xfrm>
-            <a:off x="457200" y="1935360"/>
-            <a:ext cx="4015800" cy="2093400"/>
+            <a:off x="457200" y="1604520"/>
+            <a:ext cx="4015800" cy="1896840"/>
           </a:xfrm>
           <a:prstGeom prst="rect">
             <a:avLst/>
@@ -2836,18 +2661,15 @@
             <a:normAutofit/>
           </a:bodyPr>
           <a:p>
-            <a:endParaRPr b="0" lang="ru-RU" sz="2600" spc="-1" strike="noStrike">
-              <a:solidFill>
-                <a:srgbClr val="000000"/>
-              </a:solidFill>
-              <a:latin typeface="Constantia"/>
-            </a:endParaRPr>
-          </a:p>
-        </p:txBody>
-      </p:sp>
-      <p:sp>
-        <p:nvSpPr>
-          <p:cNvPr id="29" name="PlaceHolder 3"/>
+            <a:endParaRPr b="0" lang="ru-RU" sz="3200" spc="-1" strike="noStrike">
+              <a:latin typeface="Arial"/>
+            </a:endParaRPr>
+          </a:p>
+        </p:txBody>
+      </p:sp>
+      <p:sp>
+        <p:nvSpPr>
+          <p:cNvPr id="26" name="PlaceHolder 3"/>
           <p:cNvSpPr>
             <a:spLocks noGrp="1"/>
           </p:cNvSpPr>
@@ -2857,8 +2679,8 @@
         </p:nvSpPr>
         <p:spPr>
           <a:xfrm>
-            <a:off x="4674240" y="1935360"/>
-            <a:ext cx="4015800" cy="2093400"/>
+            <a:off x="4674240" y="1604520"/>
+            <a:ext cx="4015800" cy="1896840"/>
           </a:xfrm>
           <a:prstGeom prst="rect">
             <a:avLst/>
@@ -2869,18 +2691,15 @@
             <a:normAutofit/>
           </a:bodyPr>
           <a:p>
-            <a:endParaRPr b="0" lang="ru-RU" sz="2600" spc="-1" strike="noStrike">
-              <a:solidFill>
-                <a:srgbClr val="000000"/>
-              </a:solidFill>
-              <a:latin typeface="Constantia"/>
-            </a:endParaRPr>
-          </a:p>
-        </p:txBody>
-      </p:sp>
-      <p:sp>
-        <p:nvSpPr>
-          <p:cNvPr id="30" name="PlaceHolder 4"/>
+            <a:endParaRPr b="0" lang="ru-RU" sz="3200" spc="-1" strike="noStrike">
+              <a:latin typeface="Arial"/>
+            </a:endParaRPr>
+          </a:p>
+        </p:txBody>
+      </p:sp>
+      <p:sp>
+        <p:nvSpPr>
+          <p:cNvPr id="27" name="PlaceHolder 4"/>
           <p:cNvSpPr>
             <a:spLocks noGrp="1"/>
           </p:cNvSpPr>
@@ -2890,8 +2709,8 @@
         </p:nvSpPr>
         <p:spPr>
           <a:xfrm>
-            <a:off x="457200" y="4228200"/>
-            <a:ext cx="8229240" cy="2093400"/>
+            <a:off x="457200" y="3682080"/>
+            <a:ext cx="8229240" cy="1896840"/>
           </a:xfrm>
           <a:prstGeom prst="rect">
             <a:avLst/>
@@ -2902,11 +2721,8 @@
             <a:normAutofit/>
           </a:bodyPr>
           <a:p>
-            <a:endParaRPr b="0" lang="ru-RU" sz="2600" spc="-1" strike="noStrike">
-              <a:solidFill>
-                <a:srgbClr val="000000"/>
-              </a:solidFill>
-              <a:latin typeface="Constantia"/>
+            <a:endParaRPr b="0" lang="ru-RU" sz="3200" spc="-1" strike="noStrike">
+              <a:latin typeface="Arial"/>
             </a:endParaRPr>
           </a:p>
         </p:txBody>
@@ -2931,7 +2747,7 @@
             </a:gs>
           </a:gsLst>
           <a:path path="circle">
-            <a:fillToRect l="50000" t="60000" r="50000" b="40000"/>
+            <a:fillToRect l="50000" t="70000" r="50000" b="30000"/>
           </a:path>
         </a:gradFill>
       </p:bgPr>
@@ -2959,7 +2775,7 @@
         <p:spPr>
           <a:xfrm>
             <a:off x="-9360" y="-7200"/>
-            <a:ext cx="9162720" cy="1041120"/>
+            <a:ext cx="9162360" cy="1040760"/>
           </a:xfrm>
           <a:custGeom>
             <a:avLst/>
@@ -3044,7 +2860,7 @@
         <p:spPr>
           <a:xfrm>
             <a:off x="4381560" y="-7200"/>
-            <a:ext cx="4762080" cy="637920"/>
+            <a:ext cx="4761720" cy="637560"/>
           </a:xfrm>
           <a:custGeom>
             <a:avLst/>
@@ -3110,10 +2926,10 @@
         </p:nvGrpSpPr>
         <p:grpSpPr>
           <a:xfrm>
-            <a:off x="-29160" y="-16560"/>
-            <a:ext cx="9197640" cy="1086120"/>
-            <a:chOff x="-29160" y="-16560"/>
-            <a:chExt cx="9197640" cy="1086120"/>
+            <a:off x="-29160" y="-16920"/>
+            <a:ext cx="9197280" cy="1085760"/>
+            <a:chOff x="-29160" y="-16920"/>
+            <a:chExt cx="9197280" cy="1085760"/>
           </a:xfrm>
         </p:grpSpPr>
         <p:sp>
@@ -3124,8 +2940,8 @@
           </p:nvSpPr>
           <p:spPr>
             <a:xfrm rot="21435600">
-              <a:off x="-18720" y="201960"/>
-              <a:ext cx="9162720" cy="648720"/>
+              <a:off x="-18720" y="201600"/>
+              <a:ext cx="9162360" cy="648360"/>
             </a:xfrm>
             <a:custGeom>
               <a:avLst/>
@@ -3178,8 +2994,8 @@
           </p:nvSpPr>
           <p:spPr>
             <a:xfrm rot="21435600">
-              <a:off x="-14040" y="275400"/>
-              <a:ext cx="9175320" cy="529920"/>
+              <a:off x="-14040" y="275040"/>
+              <a:ext cx="9174960" cy="529560"/>
             </a:xfrm>
             <a:custGeom>
               <a:avLst/>
@@ -3237,37 +3053,26 @@
         </p:nvSpPr>
         <p:spPr>
           <a:xfrm>
-            <a:off x="533520" y="1371600"/>
-            <a:ext cx="7851240" cy="1828440"/>
-          </a:xfrm>
-          <a:prstGeom prst="rect">
-            <a:avLst/>
-          </a:prstGeom>
-        </p:spPr>
-        <p:txBody>
-          <a:bodyPr lIns="0" rIns="18360" tIns="0" bIns="0" anchor="b">
-            <a:normAutofit/>
-          </a:bodyPr>
-          <a:p>
-            <a:pPr algn="r">
-              <a:lnSpc>
-                <a:spcPct val="100000"/>
-              </a:lnSpc>
-            </a:pPr>
-            <a:r>
-              <a:rPr b="1" lang="ru-RU" sz="5600" spc="-1" strike="noStrike">
-                <a:solidFill>
-                  <a:srgbClr val="b26cb5"/>
-                </a:solidFill>
-                <a:latin typeface="Calibri"/>
-              </a:rPr>
-              <a:t>Образец заголовка</a:t>
-            </a:r>
-            <a:endParaRPr b="0" lang="ru-RU" sz="5600" spc="-1" strike="noStrike">
-              <a:solidFill>
-                <a:srgbClr val="ffffff"/>
-              </a:solidFill>
-              <a:latin typeface="Constantia"/>
+            <a:off x="457200" y="704160"/>
+            <a:ext cx="8228880" cy="1142280"/>
+          </a:xfrm>
+          <a:prstGeom prst="rect">
+            <a:avLst/>
+          </a:prstGeom>
+        </p:spPr>
+        <p:txBody>
+          <a:bodyPr lIns="0" rIns="0" tIns="0" bIns="0" anchor="ctr">
+            <a:noAutofit/>
+          </a:bodyPr>
+          <a:p>
+            <a:r>
+              <a:rPr b="0" lang="ru-RU" sz="1800" spc="-1" strike="noStrike">
+                <a:latin typeface="Arial"/>
+              </a:rPr>
+              <a:t>Для правки текста заглавия щёлкните мышью</a:t>
+            </a:r>
+            <a:endParaRPr b="0" lang="ru-RU" sz="1800" spc="-1" strike="noStrike">
+              <a:latin typeface="Arial"/>
             </a:endParaRPr>
           </a:p>
         </p:txBody>
@@ -3275,124 +3080,6 @@
       <p:sp>
         <p:nvSpPr>
           <p:cNvPr id="6" name="PlaceHolder 7"/>
-          <p:cNvSpPr>
-            <a:spLocks noGrp="1"/>
-          </p:cNvSpPr>
-          <p:nvPr>
-            <p:ph type="dt"/>
-          </p:nvPr>
-        </p:nvSpPr>
-        <p:spPr>
-          <a:xfrm>
-            <a:off x="457200" y="6356520"/>
-            <a:ext cx="2133360" cy="364680"/>
-          </a:xfrm>
-          <a:prstGeom prst="rect">
-            <a:avLst/>
-          </a:prstGeom>
-        </p:spPr>
-        <p:txBody>
-          <a:bodyPr lIns="0" rIns="0" tIns="0" bIns="0" anchor="b">
-            <a:noAutofit/>
-          </a:bodyPr>
-          <a:p>
-            <a:pPr>
-              <a:lnSpc>
-                <a:spcPct val="100000"/>
-              </a:lnSpc>
-            </a:pPr>
-            <a:fld id="{0A21F592-5881-4F50-B002-300247F8A9AB}" type="datetime">
-              <a:rPr b="0" lang="ru-RU" sz="1200" spc="-1" strike="noStrike">
-                <a:solidFill>
-                  <a:srgbClr val="d4d4d4"/>
-                </a:solidFill>
-                <a:latin typeface="Constantia"/>
-              </a:rPr>
-              <a:t>14.4.22</a:t>
-            </a:fld>
-            <a:endParaRPr b="0" lang="ru-RU" sz="1200" spc="-1" strike="noStrike">
-              <a:latin typeface="Times New Roman"/>
-            </a:endParaRPr>
-          </a:p>
-        </p:txBody>
-      </p:sp>
-      <p:sp>
-        <p:nvSpPr>
-          <p:cNvPr id="7" name="PlaceHolder 8"/>
-          <p:cNvSpPr>
-            <a:spLocks noGrp="1"/>
-          </p:cNvSpPr>
-          <p:nvPr>
-            <p:ph type="ftr"/>
-          </p:nvPr>
-        </p:nvSpPr>
-        <p:spPr>
-          <a:xfrm>
-            <a:off x="2666880" y="6356520"/>
-            <a:ext cx="3352320" cy="364680"/>
-          </a:xfrm>
-          <a:prstGeom prst="rect">
-            <a:avLst/>
-          </a:prstGeom>
-        </p:spPr>
-        <p:txBody>
-          <a:bodyPr lIns="0" rIns="0" tIns="0" bIns="0" anchor="b">
-            <a:noAutofit/>
-          </a:bodyPr>
-          <a:p>
-            <a:endParaRPr b="0" lang="ru-RU" sz="2400" spc="-1" strike="noStrike">
-              <a:latin typeface="Times New Roman"/>
-            </a:endParaRPr>
-          </a:p>
-        </p:txBody>
-      </p:sp>
-      <p:sp>
-        <p:nvSpPr>
-          <p:cNvPr id="8" name="PlaceHolder 9"/>
-          <p:cNvSpPr>
-            <a:spLocks noGrp="1"/>
-          </p:cNvSpPr>
-          <p:nvPr>
-            <p:ph type="sldNum"/>
-          </p:nvPr>
-        </p:nvSpPr>
-        <p:spPr>
-          <a:xfrm>
-            <a:off x="7924680" y="6356520"/>
-            <a:ext cx="761760" cy="364680"/>
-          </a:xfrm>
-          <a:prstGeom prst="rect">
-            <a:avLst/>
-          </a:prstGeom>
-        </p:spPr>
-        <p:txBody>
-          <a:bodyPr lIns="0" rIns="0" tIns="0" bIns="0" anchor="b">
-            <a:noAutofit/>
-          </a:bodyPr>
-          <a:p>
-            <a:pPr algn="r">
-              <a:lnSpc>
-                <a:spcPct val="100000"/>
-              </a:lnSpc>
-            </a:pPr>
-            <a:fld id="{BF844525-6328-4005-BD29-4CE94AEB484B}" type="slidenum">
-              <a:rPr b="0" lang="ru-RU" sz="1200" spc="-1" strike="noStrike">
-                <a:solidFill>
-                  <a:srgbClr val="d4d4d4"/>
-                </a:solidFill>
-                <a:latin typeface="Constantia"/>
-              </a:rPr>
-              <a:t>&lt;номер&gt;</a:t>
-            </a:fld>
-            <a:endParaRPr b="0" lang="ru-RU" sz="1200" spc="-1" strike="noStrike">
-              <a:latin typeface="Times New Roman"/>
-            </a:endParaRPr>
-          </a:p>
-        </p:txBody>
-      </p:sp>
-      <p:sp>
-        <p:nvSpPr>
-          <p:cNvPr id="9" name="PlaceHolder 10"/>
           <p:cNvSpPr>
             <a:spLocks noGrp="1"/>
           </p:cNvSpPr>
@@ -3426,19 +3113,13 @@
               <a:buChar char=""/>
             </a:pPr>
             <a:r>
-              <a:rPr b="0" lang="ru-RU" sz="2600" spc="-1" strike="noStrike">
-                <a:solidFill>
-                  <a:srgbClr val="ffffff"/>
-                </a:solidFill>
-                <a:latin typeface="Constantia"/>
+              <a:rPr b="0" lang="ru-RU" sz="3200" spc="-1" strike="noStrike">
+                <a:latin typeface="Arial"/>
               </a:rPr>
               <a:t>Для правки структуры щёлкните мышью</a:t>
             </a:r>
-            <a:endParaRPr b="0" lang="ru-RU" sz="2600" spc="-1" strike="noStrike">
-              <a:solidFill>
-                <a:srgbClr val="ffffff"/>
-              </a:solidFill>
-              <a:latin typeface="Constantia"/>
+            <a:endParaRPr b="0" lang="ru-RU" sz="3200" spc="-1" strike="noStrike">
+              <a:latin typeface="Arial"/>
             </a:endParaRPr>
           </a:p>
           <a:p>
@@ -3454,19 +3135,13 @@
               <a:buChar char=""/>
             </a:pPr>
             <a:r>
-              <a:rPr b="0" lang="ru-RU" sz="2100" spc="-1" strike="noStrike">
-                <a:solidFill>
-                  <a:srgbClr val="ffffff"/>
-                </a:solidFill>
-                <a:latin typeface="Constantia"/>
+              <a:rPr b="0" lang="ru-RU" sz="2800" spc="-1" strike="noStrike">
+                <a:latin typeface="Arial"/>
               </a:rPr>
               <a:t>Второй уровень структуры</a:t>
             </a:r>
-            <a:endParaRPr b="0" lang="ru-RU" sz="2100" spc="-1" strike="noStrike">
-              <a:solidFill>
-                <a:srgbClr val="ffffff"/>
-              </a:solidFill>
-              <a:latin typeface="Constantia"/>
+            <a:endParaRPr b="0" lang="ru-RU" sz="2800" spc="-1" strike="noStrike">
+              <a:latin typeface="Arial"/>
             </a:endParaRPr>
           </a:p>
           <a:p>
@@ -3482,19 +3157,13 @@
               <a:buChar char=""/>
             </a:pPr>
             <a:r>
-              <a:rPr b="0" lang="ru-RU" sz="2000" spc="-1" strike="noStrike">
-                <a:solidFill>
-                  <a:srgbClr val="ffffff"/>
-                </a:solidFill>
-                <a:latin typeface="Constantia"/>
+              <a:rPr b="0" lang="ru-RU" sz="2400" spc="-1" strike="noStrike">
+                <a:latin typeface="Arial"/>
               </a:rPr>
               <a:t>Третий уровень структуры</a:t>
             </a:r>
-            <a:endParaRPr b="0" lang="ru-RU" sz="2000" spc="-1" strike="noStrike">
-              <a:solidFill>
-                <a:srgbClr val="ffffff"/>
-              </a:solidFill>
-              <a:latin typeface="Constantia"/>
+            <a:endParaRPr b="0" lang="ru-RU" sz="2400" spc="-1" strike="noStrike">
+              <a:latin typeface="Arial"/>
             </a:endParaRPr>
           </a:p>
           <a:p>
@@ -3511,18 +3180,12 @@
             </a:pPr>
             <a:r>
               <a:rPr b="0" lang="ru-RU" sz="2000" spc="-1" strike="noStrike">
-                <a:solidFill>
-                  <a:srgbClr val="ffffff"/>
-                </a:solidFill>
-                <a:latin typeface="Constantia"/>
+                <a:latin typeface="Arial"/>
               </a:rPr>
               <a:t>Четвёртый уровень структуры</a:t>
             </a:r>
             <a:endParaRPr b="0" lang="ru-RU" sz="2000" spc="-1" strike="noStrike">
-              <a:solidFill>
-                <a:srgbClr val="ffffff"/>
-              </a:solidFill>
-              <a:latin typeface="Constantia"/>
+              <a:latin typeface="Arial"/>
             </a:endParaRPr>
           </a:p>
           <a:p>
@@ -3539,18 +3202,12 @@
             </a:pPr>
             <a:r>
               <a:rPr b="0" lang="ru-RU" sz="2000" spc="-1" strike="noStrike">
-                <a:solidFill>
-                  <a:srgbClr val="ffffff"/>
-                </a:solidFill>
-                <a:latin typeface="Constantia"/>
+                <a:latin typeface="Arial"/>
               </a:rPr>
               <a:t>Пятый уровень структуры</a:t>
             </a:r>
             <a:endParaRPr b="0" lang="ru-RU" sz="2000" spc="-1" strike="noStrike">
-              <a:solidFill>
-                <a:srgbClr val="ffffff"/>
-              </a:solidFill>
-              <a:latin typeface="Constantia"/>
+              <a:latin typeface="Arial"/>
             </a:endParaRPr>
           </a:p>
           <a:p>
@@ -3567,18 +3224,12 @@
             </a:pPr>
             <a:r>
               <a:rPr b="0" lang="ru-RU" sz="2000" spc="-1" strike="noStrike">
-                <a:solidFill>
-                  <a:srgbClr val="ffffff"/>
-                </a:solidFill>
-                <a:latin typeface="Constantia"/>
+                <a:latin typeface="Arial"/>
               </a:rPr>
               <a:t>Шестой уровень структуры</a:t>
             </a:r>
             <a:endParaRPr b="0" lang="ru-RU" sz="2000" spc="-1" strike="noStrike">
-              <a:solidFill>
-                <a:srgbClr val="ffffff"/>
-              </a:solidFill>
-              <a:latin typeface="Constantia"/>
+              <a:latin typeface="Arial"/>
             </a:endParaRPr>
           </a:p>
           <a:p>
@@ -3595,18 +3246,12 @@
             </a:pPr>
             <a:r>
               <a:rPr b="0" lang="ru-RU" sz="2000" spc="-1" strike="noStrike">
-                <a:solidFill>
-                  <a:srgbClr val="ffffff"/>
-                </a:solidFill>
-                <a:latin typeface="Constantia"/>
+                <a:latin typeface="Arial"/>
               </a:rPr>
               <a:t>Седьмой уровень структуры</a:t>
             </a:r>
             <a:endParaRPr b="0" lang="ru-RU" sz="2000" spc="-1" strike="noStrike">
-              <a:solidFill>
-                <a:srgbClr val="ffffff"/>
-              </a:solidFill>
-              <a:latin typeface="Constantia"/>
+              <a:latin typeface="Arial"/>
             </a:endParaRPr>
           </a:p>
         </p:txBody>
@@ -3658,14 +3303,14 @@
       </p:grpSpPr>
       <p:sp>
         <p:nvSpPr>
-          <p:cNvPr id="46" name="CustomShape 1"/>
+          <p:cNvPr id="43" name="CustomShape 1"/>
           <p:cNvSpPr/>
           <p:nvPr/>
         </p:nvSpPr>
         <p:spPr>
           <a:xfrm>
             <a:off x="-9360" y="-7200"/>
-            <a:ext cx="9162720" cy="1041120"/>
+            <a:ext cx="9162360" cy="1040760"/>
           </a:xfrm>
           <a:custGeom>
             <a:avLst/>
@@ -3743,14 +3388,14 @@
       </p:sp>
       <p:sp>
         <p:nvSpPr>
-          <p:cNvPr id="47" name="CustomShape 2"/>
+          <p:cNvPr id="44" name="CustomShape 2"/>
           <p:cNvSpPr/>
           <p:nvPr/>
         </p:nvSpPr>
         <p:spPr>
           <a:xfrm>
             <a:off x="4381560" y="-7200"/>
-            <a:ext cx="4762080" cy="637920"/>
+            <a:ext cx="4761720" cy="637560"/>
           </a:xfrm>
           <a:custGeom>
             <a:avLst/>
@@ -3810,28 +3455,28 @@
       </p:sp>
       <p:grpSp>
         <p:nvGrpSpPr>
-          <p:cNvPr id="48" name="Group 3"/>
+          <p:cNvPr id="45" name="Group 3"/>
           <p:cNvGrpSpPr/>
           <p:nvPr/>
         </p:nvGrpSpPr>
         <p:grpSpPr>
           <a:xfrm>
-            <a:off x="-29160" y="-16560"/>
-            <a:ext cx="9197640" cy="1086120"/>
-            <a:chOff x="-29160" y="-16560"/>
-            <a:chExt cx="9197640" cy="1086120"/>
+            <a:off x="-29160" y="-16920"/>
+            <a:ext cx="9197280" cy="1085760"/>
+            <a:chOff x="-29160" y="-16920"/>
+            <a:chExt cx="9197280" cy="1085760"/>
           </a:xfrm>
         </p:grpSpPr>
         <p:sp>
           <p:nvSpPr>
-            <p:cNvPr id="49" name="CustomShape 4"/>
+            <p:cNvPr id="46" name="CustomShape 4"/>
             <p:cNvSpPr/>
             <p:nvPr/>
           </p:nvSpPr>
           <p:spPr>
             <a:xfrm rot="21435600">
-              <a:off x="-18720" y="201960"/>
-              <a:ext cx="9162720" cy="648720"/>
+              <a:off x="-18720" y="201600"/>
+              <a:ext cx="9162360" cy="648360"/>
             </a:xfrm>
             <a:custGeom>
               <a:avLst/>
@@ -3878,14 +3523,14 @@
         </p:sp>
         <p:sp>
           <p:nvSpPr>
-            <p:cNvPr id="50" name="CustomShape 5"/>
+            <p:cNvPr id="47" name="CustomShape 5"/>
             <p:cNvSpPr/>
             <p:nvPr/>
           </p:nvSpPr>
           <p:spPr>
             <a:xfrm rot="21435600">
-              <a:off x="-14040" y="275400"/>
-              <a:ext cx="9175320" cy="529920"/>
+              <a:off x="-14040" y="275040"/>
+              <a:ext cx="9174960" cy="529560"/>
             </a:xfrm>
             <a:custGeom>
               <a:avLst/>
@@ -3933,7 +3578,7 @@
       </p:grpSp>
       <p:sp>
         <p:nvSpPr>
-          <p:cNvPr id="51" name="PlaceHolder 6"/>
+          <p:cNvPr id="48" name="PlaceHolder 6"/>
           <p:cNvSpPr>
             <a:spLocks noGrp="1"/>
           </p:cNvSpPr>
@@ -3943,44 +3588,34 @@
         </p:nvSpPr>
         <p:spPr>
           <a:xfrm>
-            <a:off x="457200" y="704160"/>
-            <a:ext cx="8229240" cy="1142640"/>
-          </a:xfrm>
-          <a:prstGeom prst="rect">
-            <a:avLst/>
-          </a:prstGeom>
-        </p:spPr>
-        <p:txBody>
-          <a:bodyPr lIns="0" rIns="0" tIns="45000" bIns="0" anchor="b">
+            <a:off x="457200" y="273600"/>
+            <a:ext cx="8229240" cy="1144800"/>
+          </a:xfrm>
+          <a:prstGeom prst="rect">
+            <a:avLst/>
+          </a:prstGeom>
+        </p:spPr>
+        <p:txBody>
+          <a:bodyPr lIns="0" rIns="0" tIns="0" bIns="0" anchor="ctr">
             <a:noAutofit/>
           </a:bodyPr>
           <a:p>
-            <a:pPr>
-              <a:lnSpc>
-                <a:spcPct val="100000"/>
-              </a:lnSpc>
-            </a:pPr>
-            <a:r>
-              <a:rPr b="0" lang="ru-RU" sz="5000" spc="-1" strike="noStrike">
-                <a:solidFill>
-                  <a:srgbClr val="424456"/>
-                </a:solidFill>
-                <a:latin typeface="Calibri"/>
-              </a:rPr>
-              <a:t>Образец заголовка</a:t>
-            </a:r>
-            <a:endParaRPr b="0" lang="ru-RU" sz="5000" spc="-1" strike="noStrike">
-              <a:solidFill>
-                <a:srgbClr val="000000"/>
-              </a:solidFill>
-              <a:latin typeface="Constantia"/>
-            </a:endParaRPr>
-          </a:p>
-        </p:txBody>
-      </p:sp>
-      <p:sp>
-        <p:nvSpPr>
-          <p:cNvPr id="52" name="PlaceHolder 7"/>
+            <a:pPr algn="ctr"/>
+            <a:r>
+              <a:rPr b="0" lang="ru-RU" sz="4400" spc="-1" strike="noStrike">
+                <a:latin typeface="Arial"/>
+              </a:rPr>
+              <a:t>Для правки текста заглавия щёлкните мышью</a:t>
+            </a:r>
+            <a:endParaRPr b="0" lang="ru-RU" sz="4400" spc="-1" strike="noStrike">
+              <a:latin typeface="Arial"/>
+            </a:endParaRPr>
+          </a:p>
+        </p:txBody>
+      </p:sp>
+      <p:sp>
+        <p:nvSpPr>
+          <p:cNvPr id="49" name="PlaceHolder 7"/>
           <p:cNvSpPr>
             <a:spLocks noGrp="1"/>
           </p:cNvSpPr>
@@ -3990,288 +3625,169 @@
         </p:nvSpPr>
         <p:spPr>
           <a:xfrm>
-            <a:off x="457200" y="1935360"/>
-            <a:ext cx="8229240" cy="4388760"/>
-          </a:xfrm>
-          <a:prstGeom prst="rect">
-            <a:avLst/>
-          </a:prstGeom>
-        </p:spPr>
-        <p:txBody>
-          <a:bodyPr lIns="90000" rIns="90000" tIns="45000" bIns="45000">
-            <a:noAutofit/>
-          </a:bodyPr>
-          <a:p>
-            <a:pPr marL="274320" indent="-273960">
-              <a:lnSpc>
-                <a:spcPct val="100000"/>
-              </a:lnSpc>
+            <a:off x="457200" y="1604520"/>
+            <a:ext cx="8229240" cy="3977280"/>
+          </a:xfrm>
+          <a:prstGeom prst="rect">
+            <a:avLst/>
+          </a:prstGeom>
+        </p:spPr>
+        <p:txBody>
+          <a:bodyPr lIns="0" rIns="0" tIns="0" bIns="0">
+            <a:normAutofit/>
+          </a:bodyPr>
+          <a:p>
+            <a:pPr marL="432000" indent="-324000">
               <a:spcBef>
-                <a:spcPts val="519"/>
+                <a:spcPts val="1417"/>
               </a:spcBef>
               <a:buClr>
-                <a:srgbClr val="a04da3"/>
+                <a:srgbClr val="000000"/>
               </a:buClr>
-              <a:buSzPct val="95000"/>
-              <a:buFont typeface="Wingdings 2" charset="2"/>
-              <a:buChar char=""/>
-            </a:pPr>
-            <a:r>
-              <a:rPr b="0" lang="ru-RU" sz="2600" spc="-1" strike="noStrike">
-                <a:solidFill>
-                  <a:srgbClr val="000000"/>
-                </a:solidFill>
-                <a:latin typeface="Constantia"/>
-              </a:rPr>
-              <a:t>Образец текста</a:t>
-            </a:r>
-            <a:endParaRPr b="0" lang="ru-RU" sz="2600" spc="-1" strike="noStrike">
-              <a:solidFill>
-                <a:srgbClr val="000000"/>
-              </a:solidFill>
-              <a:latin typeface="Constantia"/>
-            </a:endParaRPr>
-          </a:p>
-          <a:p>
-            <a:pPr lvl="1" marL="640080" indent="-246600">
-              <a:lnSpc>
-                <a:spcPct val="100000"/>
-              </a:lnSpc>
+              <a:buSzPct val="45000"/>
+              <a:buFont typeface="Wingdings" charset="2"/>
+              <a:buChar char=""/>
+            </a:pPr>
+            <a:r>
+              <a:rPr b="0" lang="ru-RU" sz="3200" spc="-1" strike="noStrike">
+                <a:latin typeface="Arial"/>
+              </a:rPr>
+              <a:t>Для правки структуры щёлкните мышью</a:t>
+            </a:r>
+            <a:endParaRPr b="0" lang="ru-RU" sz="3200" spc="-1" strike="noStrike">
+              <a:latin typeface="Arial"/>
+            </a:endParaRPr>
+          </a:p>
+          <a:p>
+            <a:pPr lvl="1" marL="864000" indent="-324000">
               <a:spcBef>
-                <a:spcPts val="479"/>
+                <a:spcPts val="1134"/>
               </a:spcBef>
               <a:buClr>
-                <a:srgbClr val="53548a"/>
+                <a:srgbClr val="000000"/>
               </a:buClr>
-              <a:buSzPct val="85000"/>
-              <a:buFont typeface="Wingdings 2" charset="2"/>
-              <a:buChar char=""/>
-            </a:pPr>
-            <a:r>
-              <a:rPr b="0" lang="ru-RU" sz="2400" spc="-1" strike="noStrike">
-                <a:solidFill>
-                  <a:srgbClr val="000000"/>
-                </a:solidFill>
-                <a:latin typeface="Constantia"/>
-              </a:rPr>
-              <a:t>Второй уровень</a:t>
-            </a:r>
-            <a:endParaRPr b="0" lang="ru-RU" sz="2400" spc="-1" strike="noStrike">
-              <a:solidFill>
-                <a:srgbClr val="000000"/>
-              </a:solidFill>
-              <a:latin typeface="Constantia"/>
-            </a:endParaRPr>
-          </a:p>
-          <a:p>
-            <a:pPr lvl="2" marL="914400" indent="-246600">
-              <a:lnSpc>
-                <a:spcPct val="100000"/>
-              </a:lnSpc>
+              <a:buSzPct val="75000"/>
+              <a:buFont typeface="Symbol" charset="2"/>
+              <a:buChar char=""/>
+            </a:pPr>
+            <a:r>
+              <a:rPr b="0" lang="ru-RU" sz="2800" spc="-1" strike="noStrike">
+                <a:latin typeface="Arial"/>
+              </a:rPr>
+              <a:t>Второй уровень структуры</a:t>
+            </a:r>
+            <a:endParaRPr b="0" lang="ru-RU" sz="2800" spc="-1" strike="noStrike">
+              <a:latin typeface="Arial"/>
+            </a:endParaRPr>
+          </a:p>
+          <a:p>
+            <a:pPr lvl="2" marL="1296000" indent="-288000">
               <a:spcBef>
-                <a:spcPts val="420"/>
+                <a:spcPts val="850"/>
               </a:spcBef>
               <a:buClr>
-                <a:srgbClr val="438086"/>
+                <a:srgbClr val="000000"/>
               </a:buClr>
-              <a:buSzPct val="70000"/>
-              <a:buFont typeface="Wingdings 2" charset="2"/>
-              <a:buChar char=""/>
-            </a:pPr>
-            <a:r>
-              <a:rPr b="0" lang="ru-RU" sz="2100" spc="-1" strike="noStrike">
-                <a:solidFill>
-                  <a:srgbClr val="000000"/>
-                </a:solidFill>
-                <a:latin typeface="Constantia"/>
-              </a:rPr>
-              <a:t>Третий уровень</a:t>
-            </a:r>
-            <a:endParaRPr b="0" lang="ru-RU" sz="2100" spc="-1" strike="noStrike">
-              <a:solidFill>
-                <a:srgbClr val="000000"/>
-              </a:solidFill>
-              <a:latin typeface="Constantia"/>
-            </a:endParaRPr>
-          </a:p>
-          <a:p>
-            <a:pPr lvl="3" marL="1188720" indent="-209880">
-              <a:lnSpc>
-                <a:spcPct val="100000"/>
-              </a:lnSpc>
+              <a:buSzPct val="45000"/>
+              <a:buFont typeface="Wingdings" charset="2"/>
+              <a:buChar char=""/>
+            </a:pPr>
+            <a:r>
+              <a:rPr b="0" lang="ru-RU" sz="2400" spc="-1" strike="noStrike">
+                <a:latin typeface="Arial"/>
+              </a:rPr>
+              <a:t>Третий уровень структуры</a:t>
+            </a:r>
+            <a:endParaRPr b="0" lang="ru-RU" sz="2400" spc="-1" strike="noStrike">
+              <a:latin typeface="Arial"/>
+            </a:endParaRPr>
+          </a:p>
+          <a:p>
+            <a:pPr lvl="3" marL="1728000" indent="-216000">
               <a:spcBef>
-                <a:spcPts val="400"/>
+                <a:spcPts val="567"/>
               </a:spcBef>
               <a:buClr>
-                <a:srgbClr val="a04da3"/>
+                <a:srgbClr val="000000"/>
               </a:buClr>
-              <a:buSzPct val="65000"/>
-              <a:buFont typeface="Wingdings 2" charset="2"/>
-              <a:buChar char=""/>
+              <a:buSzPct val="75000"/>
+              <a:buFont typeface="Symbol" charset="2"/>
+              <a:buChar char=""/>
             </a:pPr>
             <a:r>
               <a:rPr b="0" lang="ru-RU" sz="2000" spc="-1" strike="noStrike">
-                <a:solidFill>
-                  <a:srgbClr val="000000"/>
-                </a:solidFill>
-                <a:latin typeface="Constantia"/>
-              </a:rPr>
-              <a:t>Четвертый уровень</a:t>
+                <a:latin typeface="Arial"/>
+              </a:rPr>
+              <a:t>Четвёртый уровень структуры</a:t>
             </a:r>
             <a:endParaRPr b="0" lang="ru-RU" sz="2000" spc="-1" strike="noStrike">
-              <a:solidFill>
-                <a:srgbClr val="000000"/>
-              </a:solidFill>
-              <a:latin typeface="Constantia"/>
-            </a:endParaRPr>
-          </a:p>
-          <a:p>
-            <a:pPr lvl="4" marL="1463040" indent="-209880">
-              <a:lnSpc>
-                <a:spcPct val="100000"/>
-              </a:lnSpc>
+              <a:latin typeface="Arial"/>
+            </a:endParaRPr>
+          </a:p>
+          <a:p>
+            <a:pPr lvl="4" marL="2160000" indent="-216000">
               <a:spcBef>
-                <a:spcPts val="400"/>
+                <a:spcPts val="283"/>
               </a:spcBef>
               <a:buClr>
-                <a:srgbClr val="c4652d"/>
+                <a:srgbClr val="000000"/>
               </a:buClr>
-              <a:buSzPct val="65000"/>
-              <a:buFont typeface="Wingdings 2" charset="2"/>
-              <a:buChar char=""/>
+              <a:buSzPct val="45000"/>
+              <a:buFont typeface="Wingdings" charset="2"/>
+              <a:buChar char=""/>
             </a:pPr>
             <a:r>
               <a:rPr b="0" lang="ru-RU" sz="2000" spc="-1" strike="noStrike">
-                <a:solidFill>
-                  <a:srgbClr val="000000"/>
-                </a:solidFill>
-                <a:latin typeface="Constantia"/>
-              </a:rPr>
-              <a:t>Пятый уровень</a:t>
+                <a:latin typeface="Arial"/>
+              </a:rPr>
+              <a:t>Пятый уровень структуры</a:t>
             </a:r>
             <a:endParaRPr b="0" lang="ru-RU" sz="2000" spc="-1" strike="noStrike">
-              <a:solidFill>
+              <a:latin typeface="Arial"/>
+            </a:endParaRPr>
+          </a:p>
+          <a:p>
+            <a:pPr lvl="5" marL="2592000" indent="-216000">
+              <a:spcBef>
+                <a:spcPts val="283"/>
+              </a:spcBef>
+              <a:buClr>
                 <a:srgbClr val="000000"/>
-              </a:solidFill>
-              <a:latin typeface="Constantia"/>
-            </a:endParaRPr>
-          </a:p>
-        </p:txBody>
-      </p:sp>
-      <p:sp>
-        <p:nvSpPr>
-          <p:cNvPr id="53" name="PlaceHolder 8"/>
-          <p:cNvSpPr>
-            <a:spLocks noGrp="1"/>
-          </p:cNvSpPr>
-          <p:nvPr>
-            <p:ph type="dt"/>
-          </p:nvPr>
-        </p:nvSpPr>
-        <p:spPr>
-          <a:xfrm>
-            <a:off x="457200" y="6356520"/>
-            <a:ext cx="2133360" cy="364680"/>
-          </a:xfrm>
-          <a:prstGeom prst="rect">
-            <a:avLst/>
-          </a:prstGeom>
-        </p:spPr>
-        <p:txBody>
-          <a:bodyPr lIns="0" rIns="0" tIns="0" bIns="0" anchor="b">
-            <a:noAutofit/>
-          </a:bodyPr>
-          <a:p>
-            <a:pPr>
-              <a:lnSpc>
-                <a:spcPct val="100000"/>
-              </a:lnSpc>
-            </a:pPr>
-            <a:fld id="{64C35A6E-5D7C-4A2A-9270-44623741E817}" type="datetime">
-              <a:rPr b="0" lang="ru-RU" sz="1200" spc="-1" strike="noStrike">
-                <a:solidFill>
-                  <a:srgbClr val="3f4052"/>
-                </a:solidFill>
-                <a:latin typeface="Constantia"/>
-              </a:rPr>
-              <a:t>14.4.22</a:t>
-            </a:fld>
-            <a:endParaRPr b="0" lang="ru-RU" sz="1200" spc="-1" strike="noStrike">
-              <a:latin typeface="Times New Roman"/>
-            </a:endParaRPr>
-          </a:p>
-        </p:txBody>
-      </p:sp>
-      <p:sp>
-        <p:nvSpPr>
-          <p:cNvPr id="54" name="PlaceHolder 9"/>
-          <p:cNvSpPr>
-            <a:spLocks noGrp="1"/>
-          </p:cNvSpPr>
-          <p:nvPr>
-            <p:ph type="ftr"/>
-          </p:nvPr>
-        </p:nvSpPr>
-        <p:spPr>
-          <a:xfrm>
-            <a:off x="2666880" y="6356520"/>
-            <a:ext cx="3352320" cy="364680"/>
-          </a:xfrm>
-          <a:prstGeom prst="rect">
-            <a:avLst/>
-          </a:prstGeom>
-        </p:spPr>
-        <p:txBody>
-          <a:bodyPr lIns="0" rIns="0" tIns="0" bIns="0" anchor="b">
-            <a:noAutofit/>
-          </a:bodyPr>
-          <a:p>
-            <a:endParaRPr b="0" lang="ru-RU" sz="2400" spc="-1" strike="noStrike">
-              <a:latin typeface="Times New Roman"/>
-            </a:endParaRPr>
-          </a:p>
-        </p:txBody>
-      </p:sp>
-      <p:sp>
-        <p:nvSpPr>
-          <p:cNvPr id="55" name="PlaceHolder 10"/>
-          <p:cNvSpPr>
-            <a:spLocks noGrp="1"/>
-          </p:cNvSpPr>
-          <p:nvPr>
-            <p:ph type="sldNum"/>
-          </p:nvPr>
-        </p:nvSpPr>
-        <p:spPr>
-          <a:xfrm>
-            <a:off x="7924680" y="6356520"/>
-            <a:ext cx="761760" cy="364680"/>
-          </a:xfrm>
-          <a:prstGeom prst="rect">
-            <a:avLst/>
-          </a:prstGeom>
-        </p:spPr>
-        <p:txBody>
-          <a:bodyPr lIns="0" rIns="0" tIns="0" bIns="0" anchor="b">
-            <a:noAutofit/>
-          </a:bodyPr>
-          <a:p>
-            <a:pPr algn="r">
-              <a:lnSpc>
-                <a:spcPct val="100000"/>
-              </a:lnSpc>
-            </a:pPr>
-            <a:fld id="{8A926856-FE58-4C70-9945-94B2746D2600}" type="slidenum">
-              <a:rPr b="0" lang="ru-RU" sz="1200" spc="-1" strike="noStrike">
-                <a:solidFill>
-                  <a:srgbClr val="3f4052"/>
-                </a:solidFill>
-                <a:latin typeface="Constantia"/>
-              </a:rPr>
-              <a:t>&lt;номер&gt;</a:t>
-            </a:fld>
-            <a:endParaRPr b="0" lang="ru-RU" sz="1200" spc="-1" strike="noStrike">
-              <a:latin typeface="Times New Roman"/>
+              </a:buClr>
+              <a:buSzPct val="45000"/>
+              <a:buFont typeface="Wingdings" charset="2"/>
+              <a:buChar char=""/>
+            </a:pPr>
+            <a:r>
+              <a:rPr b="0" lang="ru-RU" sz="2000" spc="-1" strike="noStrike">
+                <a:latin typeface="Arial"/>
+              </a:rPr>
+              <a:t>Шестой уровень структуры</a:t>
+            </a:r>
+            <a:endParaRPr b="0" lang="ru-RU" sz="2000" spc="-1" strike="noStrike">
+              <a:latin typeface="Arial"/>
+            </a:endParaRPr>
+          </a:p>
+          <a:p>
+            <a:pPr lvl="6" marL="3024000" indent="-216000">
+              <a:spcBef>
+                <a:spcPts val="283"/>
+              </a:spcBef>
+              <a:buClr>
+                <a:srgbClr val="000000"/>
+              </a:buClr>
+              <a:buSzPct val="45000"/>
+              <a:buFont typeface="Wingdings" charset="2"/>
+              <a:buChar char=""/>
+            </a:pPr>
+            <a:r>
+              <a:rPr b="0" lang="ru-RU" sz="2000" spc="-1" strike="noStrike">
+                <a:latin typeface="Arial"/>
+              </a:rPr>
+              <a:t>Седьмой уровень структуры</a:t>
+            </a:r>
+            <a:endParaRPr b="0" lang="ru-RU" sz="2000" spc="-1" strike="noStrike">
+              <a:latin typeface="Arial"/>
             </a:endParaRPr>
           </a:p>
         </p:txBody>
@@ -4315,14 +3831,14 @@
       </p:grpSpPr>
       <p:sp>
         <p:nvSpPr>
-          <p:cNvPr id="92" name="TextShape 1"/>
-          <p:cNvSpPr txBox="1"/>
+          <p:cNvPr id="86" name="CustomShape 1"/>
+          <p:cNvSpPr/>
           <p:nvPr/>
         </p:nvSpPr>
         <p:spPr>
           <a:xfrm>
             <a:off x="533520" y="1371600"/>
-            <a:ext cx="7851240" cy="1828440"/>
+            <a:ext cx="7850880" cy="1828080"/>
           </a:xfrm>
           <a:prstGeom prst="rect">
             <a:avLst/>
@@ -4332,6 +3848,12 @@
             <a:noFill/>
           </a:ln>
         </p:spPr>
+        <p:style>
+          <a:lnRef idx="0"/>
+          <a:fillRef idx="0"/>
+          <a:effectRef idx="0"/>
+          <a:fontRef idx="minor"/>
+        </p:style>
         <p:txBody>
           <a:bodyPr lIns="0" rIns="18360" tIns="0" bIns="0" anchor="b">
             <a:noAutofit/>
@@ -4361,24 +3883,21 @@
               <a:t>single page application</a:t>
             </a:r>
             <a:endParaRPr b="0" lang="ru-RU" sz="5600" spc="-1" strike="noStrike">
-              <a:solidFill>
-                <a:srgbClr val="ffffff"/>
-              </a:solidFill>
-              <a:latin typeface="Constantia"/>
-            </a:endParaRPr>
-          </a:p>
-        </p:txBody>
-      </p:sp>
-      <p:sp>
-        <p:nvSpPr>
-          <p:cNvPr id="93" name="TextShape 2"/>
-          <p:cNvSpPr txBox="1"/>
+              <a:latin typeface="Arial"/>
+            </a:endParaRPr>
+          </a:p>
+        </p:txBody>
+      </p:sp>
+      <p:sp>
+        <p:nvSpPr>
+          <p:cNvPr id="87" name="CustomShape 2"/>
+          <p:cNvSpPr/>
           <p:nvPr/>
         </p:nvSpPr>
         <p:spPr>
           <a:xfrm>
             <a:off x="533520" y="3228480"/>
-            <a:ext cx="7854480" cy="1752120"/>
+            <a:ext cx="7854120" cy="1751760"/>
           </a:xfrm>
           <a:prstGeom prst="rect">
             <a:avLst/>
@@ -4388,6 +3907,12 @@
             <a:noFill/>
           </a:ln>
         </p:spPr>
+        <p:style>
+          <a:lnRef idx="0"/>
+          <a:fillRef idx="0"/>
+          <a:effectRef idx="0"/>
+          <a:fontRef idx="minor"/>
+        </p:style>
         <p:txBody>
           <a:bodyPr lIns="0" rIns="18360" tIns="45000" bIns="45000">
             <a:noAutofit/>
@@ -4460,14 +3985,14 @@
       </p:grpSpPr>
       <p:sp>
         <p:nvSpPr>
-          <p:cNvPr id="94" name="TextShape 1"/>
-          <p:cNvSpPr txBox="1"/>
+          <p:cNvPr id="88" name="CustomShape 1"/>
+          <p:cNvSpPr/>
           <p:nvPr/>
         </p:nvSpPr>
         <p:spPr>
           <a:xfrm>
             <a:off x="457200" y="704160"/>
-            <a:ext cx="8229240" cy="1142640"/>
+            <a:ext cx="8228880" cy="1142280"/>
           </a:xfrm>
           <a:prstGeom prst="rect">
             <a:avLst/>
@@ -4477,6 +4002,12 @@
             <a:noFill/>
           </a:ln>
         </p:spPr>
+        <p:style>
+          <a:lnRef idx="0"/>
+          <a:fillRef idx="0"/>
+          <a:effectRef idx="0"/>
+          <a:fontRef idx="minor"/>
+        </p:style>
         <p:txBody>
           <a:bodyPr lIns="0" rIns="0" tIns="45000" bIns="0" anchor="b">
             <a:noAutofit/>
@@ -4506,24 +4037,21 @@
               <a:t>ajax</a:t>
             </a:r>
             <a:endParaRPr b="0" lang="ru-RU" sz="5000" spc="-1" strike="noStrike">
-              <a:solidFill>
-                <a:srgbClr val="000000"/>
-              </a:solidFill>
-              <a:latin typeface="Constantia"/>
-            </a:endParaRPr>
-          </a:p>
-        </p:txBody>
-      </p:sp>
-      <p:sp>
-        <p:nvSpPr>
-          <p:cNvPr id="95" name="TextShape 2"/>
-          <p:cNvSpPr txBox="1"/>
+              <a:latin typeface="Arial"/>
+            </a:endParaRPr>
+          </a:p>
+        </p:txBody>
+      </p:sp>
+      <p:sp>
+        <p:nvSpPr>
+          <p:cNvPr id="89" name="CustomShape 2"/>
+          <p:cNvSpPr/>
           <p:nvPr/>
         </p:nvSpPr>
         <p:spPr>
           <a:xfrm>
             <a:off x="457200" y="2565000"/>
-            <a:ext cx="8229240" cy="3759480"/>
+            <a:ext cx="8228880" cy="3759120"/>
           </a:xfrm>
           <a:prstGeom prst="rect">
             <a:avLst/>
@@ -4533,6 +4061,12 @@
             <a:noFill/>
           </a:ln>
         </p:spPr>
+        <p:style>
+          <a:lnRef idx="0"/>
+          <a:fillRef idx="0"/>
+          <a:effectRef idx="0"/>
+          <a:fontRef idx="minor"/>
+        </p:style>
         <p:txBody>
           <a:bodyPr lIns="90000" rIns="90000" tIns="45000" bIns="45000">
             <a:noAutofit/>
@@ -4595,10 +4129,7 @@
               <a:t>.</a:t>
             </a:r>
             <a:endParaRPr b="0" lang="ru-RU" sz="2600" spc="-1" strike="noStrike">
-              <a:solidFill>
-                <a:srgbClr val="000000"/>
-              </a:solidFill>
-              <a:latin typeface="Constantia"/>
+              <a:latin typeface="Arial"/>
             </a:endParaRPr>
           </a:p>
         </p:txBody>
@@ -4635,14 +4166,14 @@
       </p:grpSpPr>
       <p:sp>
         <p:nvSpPr>
-          <p:cNvPr id="96" name="TextShape 1"/>
-          <p:cNvSpPr txBox="1"/>
+          <p:cNvPr id="90" name="CustomShape 1"/>
+          <p:cNvSpPr/>
           <p:nvPr/>
         </p:nvSpPr>
         <p:spPr>
           <a:xfrm>
             <a:off x="457200" y="704160"/>
-            <a:ext cx="8229240" cy="1142640"/>
+            <a:ext cx="8228880" cy="1142280"/>
           </a:xfrm>
           <a:prstGeom prst="rect">
             <a:avLst/>
@@ -4652,6 +4183,12 @@
             <a:noFill/>
           </a:ln>
         </p:spPr>
+        <p:style>
+          <a:lnRef idx="0"/>
+          <a:fillRef idx="0"/>
+          <a:effectRef idx="0"/>
+          <a:fontRef idx="minor"/>
+        </p:style>
         <p:txBody>
           <a:bodyPr lIns="0" rIns="0" tIns="45000" bIns="0" anchor="b">
             <a:noAutofit/>
@@ -4681,24 +4218,21 @@
               <a:t>fetch</a:t>
             </a:r>
             <a:endParaRPr b="0" lang="ru-RU" sz="5000" spc="-1" strike="noStrike">
-              <a:solidFill>
-                <a:srgbClr val="000000"/>
-              </a:solidFill>
-              <a:latin typeface="Constantia"/>
-            </a:endParaRPr>
-          </a:p>
-        </p:txBody>
-      </p:sp>
-      <p:sp>
-        <p:nvSpPr>
-          <p:cNvPr id="97" name="TextShape 2"/>
-          <p:cNvSpPr txBox="1"/>
+              <a:latin typeface="Arial"/>
+            </a:endParaRPr>
+          </a:p>
+        </p:txBody>
+      </p:sp>
+      <p:sp>
+        <p:nvSpPr>
+          <p:cNvPr id="91" name="CustomShape 2"/>
+          <p:cNvSpPr/>
           <p:nvPr/>
         </p:nvSpPr>
         <p:spPr>
           <a:xfrm>
             <a:off x="457200" y="1935360"/>
-            <a:ext cx="8229240" cy="4388760"/>
+            <a:ext cx="8228880" cy="4388400"/>
           </a:xfrm>
           <a:prstGeom prst="rect">
             <a:avLst/>
@@ -4708,6 +4242,12 @@
             <a:noFill/>
           </a:ln>
         </p:spPr>
+        <p:style>
+          <a:lnRef idx="0"/>
+          <a:fillRef idx="0"/>
+          <a:effectRef idx="0"/>
+          <a:fontRef idx="minor"/>
+        </p:style>
         <p:txBody>
           <a:bodyPr lIns="90000" rIns="90000" tIns="45000" bIns="45000">
             <a:noAutofit/>
@@ -4762,10 +4302,7 @@
               <a:t>:</a:t>
             </a:r>
             <a:endParaRPr b="0" lang="ru-RU" sz="2600" spc="-1" strike="noStrike">
-              <a:solidFill>
-                <a:srgbClr val="000000"/>
-              </a:solidFill>
-              <a:latin typeface="Constantia"/>
+              <a:latin typeface="Arial"/>
             </a:endParaRPr>
           </a:p>
           <a:p>
@@ -4781,10 +4318,7 @@
               </a:tabLst>
             </a:pPr>
             <a:endParaRPr b="0" lang="ru-RU" sz="2600" spc="-1" strike="noStrike">
-              <a:solidFill>
-                <a:srgbClr val="000000"/>
-              </a:solidFill>
-              <a:latin typeface="Constantia"/>
+              <a:latin typeface="Arial"/>
             </a:endParaRPr>
           </a:p>
           <a:p>
@@ -4809,10 +4343,7 @@
               <a:t>let promise = fetch(url, [options])</a:t>
             </a:r>
             <a:endParaRPr b="0" lang="ru-RU" sz="2600" spc="-1" strike="noStrike">
-              <a:solidFill>
-                <a:srgbClr val="000000"/>
-              </a:solidFill>
-              <a:latin typeface="Constantia"/>
+              <a:latin typeface="Arial"/>
             </a:endParaRPr>
           </a:p>
           <a:p>
@@ -4828,10 +4359,7 @@
               </a:tabLst>
             </a:pPr>
             <a:endParaRPr b="0" lang="ru-RU" sz="2600" spc="-1" strike="noStrike">
-              <a:solidFill>
-                <a:srgbClr val="000000"/>
-              </a:solidFill>
-              <a:latin typeface="Constantia"/>
+              <a:latin typeface="Arial"/>
             </a:endParaRPr>
           </a:p>
           <a:p>
@@ -4901,10 +4429,7 @@
               <a:t>дополнительные параметры</a:t>
             </a:r>
             <a:endParaRPr b="0" lang="ru-RU" sz="2600" spc="-1" strike="noStrike">
-              <a:solidFill>
-                <a:srgbClr val="000000"/>
-              </a:solidFill>
-              <a:latin typeface="Constantia"/>
+              <a:latin typeface="Arial"/>
             </a:endParaRPr>
           </a:p>
         </p:txBody>
@@ -4941,14 +4466,14 @@
       </p:grpSpPr>
       <p:sp>
         <p:nvSpPr>
-          <p:cNvPr id="98" name="TextShape 1"/>
-          <p:cNvSpPr txBox="1"/>
+          <p:cNvPr id="92" name="CustomShape 1"/>
+          <p:cNvSpPr/>
           <p:nvPr/>
         </p:nvSpPr>
         <p:spPr>
           <a:xfrm>
             <a:off x="457200" y="704160"/>
-            <a:ext cx="8229240" cy="1142640"/>
+            <a:ext cx="8228880" cy="1142280"/>
           </a:xfrm>
           <a:prstGeom prst="rect">
             <a:avLst/>
@@ -4958,6 +4483,12 @@
             <a:noFill/>
           </a:ln>
         </p:spPr>
+        <p:style>
+          <a:lnRef idx="0"/>
+          <a:fillRef idx="0"/>
+          <a:effectRef idx="0"/>
+          <a:fontRef idx="minor"/>
+        </p:style>
         <p:txBody>
           <a:bodyPr lIns="0" rIns="0" tIns="45000" bIns="0" anchor="b">
             <a:normAutofit fontScale="63000"/>
@@ -4987,24 +4518,21 @@
               <a:t>options</a:t>
             </a:r>
             <a:endParaRPr b="0" lang="ru-RU" sz="5000" spc="-1" strike="noStrike">
-              <a:solidFill>
-                <a:srgbClr val="000000"/>
-              </a:solidFill>
-              <a:latin typeface="Constantia"/>
-            </a:endParaRPr>
-          </a:p>
-        </p:txBody>
-      </p:sp>
-      <p:sp>
-        <p:nvSpPr>
-          <p:cNvPr id="99" name="TextShape 2"/>
-          <p:cNvSpPr txBox="1"/>
+              <a:latin typeface="Arial"/>
+            </a:endParaRPr>
+          </a:p>
+        </p:txBody>
+      </p:sp>
+      <p:sp>
+        <p:nvSpPr>
+          <p:cNvPr id="93" name="CustomShape 2"/>
+          <p:cNvSpPr/>
           <p:nvPr/>
         </p:nvSpPr>
         <p:spPr>
           <a:xfrm>
             <a:off x="457200" y="1935360"/>
-            <a:ext cx="8229240" cy="4388760"/>
+            <a:ext cx="8228880" cy="4388400"/>
           </a:xfrm>
           <a:prstGeom prst="rect">
             <a:avLst/>
@@ -5014,12 +4542,18 @@
             <a:noFill/>
           </a:ln>
         </p:spPr>
+        <p:style>
+          <a:lnRef idx="0"/>
+          <a:fillRef idx="0"/>
+          <a:effectRef idx="0"/>
+          <a:fontRef idx="minor"/>
+        </p:style>
         <p:txBody>
           <a:bodyPr lIns="90000" rIns="90000" tIns="45000" bIns="45000">
             <a:noAutofit/>
           </a:bodyPr>
           <a:p>
-            <a:pPr marL="274320" indent="-273960">
+            <a:pPr marL="274320" indent="-273600">
               <a:lnSpc>
                 <a:spcPct val="100000"/>
               </a:lnSpc>
@@ -5061,14 +4595,11 @@
               <a:t>содержат информацию о характере данных, данные авторизации и пр;</a:t>
             </a:r>
             <a:endParaRPr b="0" lang="ru-RU" sz="2600" spc="-1" strike="noStrike">
-              <a:solidFill>
-                <a:srgbClr val="000000"/>
-              </a:solidFill>
-              <a:latin typeface="Constantia"/>
-            </a:endParaRPr>
-          </a:p>
-          <a:p>
-            <a:pPr marL="274320" indent="-273960">
+              <a:latin typeface="Arial"/>
+            </a:endParaRPr>
+          </a:p>
+          <a:p>
+            <a:pPr marL="274320" indent="-273600">
               <a:lnSpc>
                 <a:spcPct val="100000"/>
               </a:lnSpc>
@@ -5137,14 +4668,11 @@
               <a:t>http;</a:t>
             </a:r>
             <a:endParaRPr b="0" lang="ru-RU" sz="2600" spc="-1" strike="noStrike">
-              <a:solidFill>
-                <a:srgbClr val="000000"/>
-              </a:solidFill>
-              <a:latin typeface="Constantia"/>
-            </a:endParaRPr>
-          </a:p>
-          <a:p>
-            <a:pPr marL="274320" indent="-273960">
+              <a:latin typeface="Arial"/>
+            </a:endParaRPr>
+          </a:p>
+          <a:p>
+            <a:pPr marL="274320" indent="-273600">
               <a:lnSpc>
                 <a:spcPct val="100000"/>
               </a:lnSpc>
@@ -5204,10 +4732,7 @@
               <a:t>передаваемые данные</a:t>
             </a:r>
             <a:endParaRPr b="0" lang="ru-RU" sz="2600" spc="-1" strike="noStrike">
-              <a:solidFill>
-                <a:srgbClr val="000000"/>
-              </a:solidFill>
-              <a:latin typeface="Constantia"/>
+              <a:latin typeface="Arial"/>
             </a:endParaRPr>
           </a:p>
         </p:txBody>
@@ -5244,14 +4769,14 @@
       </p:grpSpPr>
       <p:sp>
         <p:nvSpPr>
-          <p:cNvPr id="100" name="TextShape 1"/>
-          <p:cNvSpPr txBox="1"/>
+          <p:cNvPr id="94" name="CustomShape 1"/>
+          <p:cNvSpPr/>
           <p:nvPr/>
         </p:nvSpPr>
         <p:spPr>
           <a:xfrm>
             <a:off x="457200" y="704160"/>
-            <a:ext cx="8229240" cy="1142640"/>
+            <a:ext cx="8228880" cy="1142280"/>
           </a:xfrm>
           <a:prstGeom prst="rect">
             <a:avLst/>
@@ -5261,6 +4786,12 @@
             <a:noFill/>
           </a:ln>
         </p:spPr>
+        <p:style>
+          <a:lnRef idx="0"/>
+          <a:fillRef idx="0"/>
+          <a:effectRef idx="0"/>
+          <a:fontRef idx="minor"/>
+        </p:style>
         <p:txBody>
           <a:bodyPr lIns="0" rIns="0" tIns="45000" bIns="0" anchor="b">
             <a:noAutofit/>
@@ -5281,24 +4812,21 @@
               <a:t>Асинхронные функции</a:t>
             </a:r>
             <a:endParaRPr b="0" lang="ru-RU" sz="5000" spc="-1" strike="noStrike">
-              <a:solidFill>
-                <a:srgbClr val="000000"/>
-              </a:solidFill>
-              <a:latin typeface="Constantia"/>
-            </a:endParaRPr>
-          </a:p>
-        </p:txBody>
-      </p:sp>
-      <p:sp>
-        <p:nvSpPr>
-          <p:cNvPr id="101" name="TextShape 2"/>
-          <p:cNvSpPr txBox="1"/>
+              <a:latin typeface="Arial"/>
+            </a:endParaRPr>
+          </a:p>
+        </p:txBody>
+      </p:sp>
+      <p:sp>
+        <p:nvSpPr>
+          <p:cNvPr id="95" name="CustomShape 2"/>
+          <p:cNvSpPr/>
           <p:nvPr/>
         </p:nvSpPr>
         <p:spPr>
           <a:xfrm>
             <a:off x="457200" y="1935360"/>
-            <a:ext cx="8229240" cy="4388760"/>
+            <a:ext cx="8228880" cy="4388400"/>
           </a:xfrm>
           <a:prstGeom prst="rect">
             <a:avLst/>
@@ -5308,6 +4836,12 @@
             <a:noFill/>
           </a:ln>
         </p:spPr>
+        <p:style>
+          <a:lnRef idx="0"/>
+          <a:fillRef idx="0"/>
+          <a:effectRef idx="0"/>
+          <a:fontRef idx="minor"/>
+        </p:style>
         <p:txBody>
           <a:bodyPr lIns="90000" rIns="90000" tIns="45000" bIns="45000">
             <a:noAutofit/>
@@ -5334,10 +4868,7 @@
               <a:t>Функции, содержащие запросы являются асинхронными</a:t>
             </a:r>
             <a:endParaRPr b="0" lang="ru-RU" sz="2600" spc="-1" strike="noStrike">
-              <a:solidFill>
-                <a:srgbClr val="000000"/>
-              </a:solidFill>
-              <a:latin typeface="Constantia"/>
+              <a:latin typeface="Arial"/>
             </a:endParaRPr>
           </a:p>
           <a:p>
@@ -5362,10 +4893,7 @@
               <a:t>async function request(){</a:t>
             </a:r>
             <a:endParaRPr b="0" lang="ru-RU" sz="2600" spc="-1" strike="noStrike">
-              <a:solidFill>
-                <a:srgbClr val="000000"/>
-              </a:solidFill>
-              <a:latin typeface="Constantia"/>
+              <a:latin typeface="Arial"/>
             </a:endParaRPr>
           </a:p>
           <a:p>
@@ -5390,10 +4918,7 @@
               <a:t>let result= await fetch(url, options);</a:t>
             </a:r>
             <a:endParaRPr b="0" lang="ru-RU" sz="2600" spc="-1" strike="noStrike">
-              <a:solidFill>
-                <a:srgbClr val="000000"/>
-              </a:solidFill>
-              <a:latin typeface="Constantia"/>
+              <a:latin typeface="Arial"/>
             </a:endParaRPr>
           </a:p>
           <a:p>
@@ -5427,10 +4952,7 @@
               <a:t>.</a:t>
             </a:r>
             <a:endParaRPr b="0" lang="ru-RU" sz="2600" spc="-1" strike="noStrike">
-              <a:solidFill>
-                <a:srgbClr val="000000"/>
-              </a:solidFill>
-              <a:latin typeface="Constantia"/>
+              <a:latin typeface="Arial"/>
             </a:endParaRPr>
           </a:p>
           <a:p>
@@ -5455,10 +4977,7 @@
               <a:t>}</a:t>
             </a:r>
             <a:endParaRPr b="0" lang="ru-RU" sz="2600" spc="-1" strike="noStrike">
-              <a:solidFill>
-                <a:srgbClr val="000000"/>
-              </a:solidFill>
-              <a:latin typeface="Constantia"/>
+              <a:latin typeface="Arial"/>
             </a:endParaRPr>
           </a:p>
           <a:p>
@@ -5501,10 +5020,7 @@
               <a:t>означает послать запрос на сервер и ничего не предпринимать, пока не придет ответ.</a:t>
             </a:r>
             <a:endParaRPr b="0" lang="ru-RU" sz="2600" spc="-1" strike="noStrike">
-              <a:solidFill>
-                <a:srgbClr val="000000"/>
-              </a:solidFill>
-              <a:latin typeface="Constantia"/>
+              <a:latin typeface="Arial"/>
             </a:endParaRPr>
           </a:p>
         </p:txBody>
@@ -5541,14 +5057,14 @@
       </p:grpSpPr>
       <p:sp>
         <p:nvSpPr>
-          <p:cNvPr id="102" name="TextShape 1"/>
-          <p:cNvSpPr txBox="1"/>
+          <p:cNvPr id="96" name="CustomShape 1"/>
+          <p:cNvSpPr/>
           <p:nvPr/>
         </p:nvSpPr>
         <p:spPr>
           <a:xfrm>
             <a:off x="457200" y="704160"/>
-            <a:ext cx="8229240" cy="1142640"/>
+            <a:ext cx="8228880" cy="1142280"/>
           </a:xfrm>
           <a:prstGeom prst="rect">
             <a:avLst/>
@@ -5558,6 +5074,12 @@
             <a:noFill/>
           </a:ln>
         </p:spPr>
+        <p:style>
+          <a:lnRef idx="0"/>
+          <a:fillRef idx="0"/>
+          <a:effectRef idx="0"/>
+          <a:fontRef idx="minor"/>
+        </p:style>
         <p:txBody>
           <a:bodyPr lIns="0" rIns="0" tIns="45000" bIns="0" anchor="b">
             <a:noAutofit/>
@@ -5578,24 +5100,21 @@
               <a:t>Чтение результатов</a:t>
             </a:r>
             <a:endParaRPr b="0" lang="ru-RU" sz="5000" spc="-1" strike="noStrike">
-              <a:solidFill>
-                <a:srgbClr val="000000"/>
-              </a:solidFill>
-              <a:latin typeface="Constantia"/>
-            </a:endParaRPr>
-          </a:p>
-        </p:txBody>
-      </p:sp>
-      <p:sp>
-        <p:nvSpPr>
-          <p:cNvPr id="103" name="TextShape 2"/>
-          <p:cNvSpPr txBox="1"/>
+              <a:latin typeface="Arial"/>
+            </a:endParaRPr>
+          </a:p>
+        </p:txBody>
+      </p:sp>
+      <p:sp>
+        <p:nvSpPr>
+          <p:cNvPr id="97" name="CustomShape 2"/>
+          <p:cNvSpPr/>
           <p:nvPr/>
         </p:nvSpPr>
         <p:spPr>
           <a:xfrm>
             <a:off x="457200" y="1935360"/>
-            <a:ext cx="8229240" cy="4388760"/>
+            <a:ext cx="8228880" cy="4388400"/>
           </a:xfrm>
           <a:prstGeom prst="rect">
             <a:avLst/>
@@ -5605,12 +5124,18 @@
             <a:noFill/>
           </a:ln>
         </p:spPr>
+        <p:style>
+          <a:lnRef idx="0"/>
+          <a:fillRef idx="0"/>
+          <a:effectRef idx="0"/>
+          <a:fontRef idx="minor"/>
+        </p:style>
         <p:txBody>
           <a:bodyPr lIns="90000" rIns="90000" tIns="45000" bIns="45000">
             <a:normAutofit fontScale="91000"/>
           </a:bodyPr>
           <a:p>
-            <a:pPr marL="274320" indent="-273960">
+            <a:pPr marL="274320" indent="-273600">
               <a:lnSpc>
                 <a:spcPct val="100000"/>
               </a:lnSpc>
@@ -5649,26 +5174,14 @@
                 </a:solidFill>
                 <a:latin typeface="Constantia"/>
               </a:rPr>
-              <a:t>получение статус кода </a:t>
-            </a:r>
-            <a:r>
-              <a:rPr b="0" lang="ru-RU" sz="2600" spc="-1" strike="noStrike">
-                <a:solidFill>
-                  <a:srgbClr val="000000"/>
-                </a:solidFill>
-                <a:latin typeface="Constantia"/>
-              </a:rPr>
-              <a:t>запроса;</a:t>
+              <a:t>получение статус кода запроса;</a:t>
             </a:r>
             <a:endParaRPr b="0" lang="ru-RU" sz="2600" spc="-1" strike="noStrike">
-              <a:solidFill>
-                <a:srgbClr val="000000"/>
-              </a:solidFill>
-              <a:latin typeface="Constantia"/>
-            </a:endParaRPr>
-          </a:p>
-          <a:p>
-            <a:pPr marL="274320" indent="-273960">
+              <a:latin typeface="Arial"/>
+            </a:endParaRPr>
+          </a:p>
+          <a:p>
+            <a:pPr marL="274320" indent="-273600">
               <a:lnSpc>
                 <a:spcPct val="100000"/>
               </a:lnSpc>
@@ -5698,26 +5211,14 @@
                 </a:solidFill>
                 <a:latin typeface="Constantia"/>
               </a:rPr>
-              <a:t> – читает ответ и возвращает </a:t>
-            </a:r>
-            <a:r>
-              <a:rPr b="0" lang="ru-RU" sz="2600" spc="-1" strike="noStrike">
-                <a:solidFill>
-                  <a:srgbClr val="000000"/>
-                </a:solidFill>
-                <a:latin typeface="Constantia"/>
-              </a:rPr>
-              <a:t>как обычный текст,</a:t>
+              <a:t> – читает ответ и возвращает как обычный текст,</a:t>
             </a:r>
             <a:endParaRPr b="0" lang="ru-RU" sz="2600" spc="-1" strike="noStrike">
-              <a:solidFill>
-                <a:srgbClr val="000000"/>
-              </a:solidFill>
-              <a:latin typeface="Constantia"/>
-            </a:endParaRPr>
-          </a:p>
-          <a:p>
-            <a:pPr marL="274320" indent="-273960">
+              <a:latin typeface="Arial"/>
+            </a:endParaRPr>
+          </a:p>
+          <a:p>
+            <a:pPr marL="274320" indent="-273600">
               <a:lnSpc>
                 <a:spcPct val="100000"/>
               </a:lnSpc>
@@ -5747,26 +5248,14 @@
                 </a:solidFill>
                 <a:latin typeface="Constantia"/>
               </a:rPr>
-              <a:t> – декодирует ответ в </a:t>
-            </a:r>
-            <a:r>
-              <a:rPr b="0" lang="ru-RU" sz="2600" spc="-1" strike="noStrike">
-                <a:solidFill>
-                  <a:srgbClr val="000000"/>
-                </a:solidFill>
-                <a:latin typeface="Constantia"/>
-              </a:rPr>
-              <a:t>формате JSON,</a:t>
+              <a:t> – декодирует ответ в формате JSON,</a:t>
             </a:r>
             <a:endParaRPr b="0" lang="ru-RU" sz="2600" spc="-1" strike="noStrike">
-              <a:solidFill>
-                <a:srgbClr val="000000"/>
-              </a:solidFill>
-              <a:latin typeface="Constantia"/>
-            </a:endParaRPr>
-          </a:p>
-          <a:p>
-            <a:pPr marL="274320" indent="-273960">
+              <a:latin typeface="Arial"/>
+            </a:endParaRPr>
+          </a:p>
+          <a:p>
+            <a:pPr marL="274320" indent="-273600">
               <a:lnSpc>
                 <a:spcPct val="100000"/>
               </a:lnSpc>
@@ -5796,26 +5285,14 @@
                 </a:solidFill>
                 <a:latin typeface="Constantia"/>
               </a:rPr>
-              <a:t> – возвращает ответ как </a:t>
-            </a:r>
-            <a:r>
-              <a:rPr b="0" lang="ru-RU" sz="2600" spc="-1" strike="noStrike">
-                <a:solidFill>
-                  <a:srgbClr val="000000"/>
-                </a:solidFill>
-                <a:latin typeface="Constantia"/>
-              </a:rPr>
-              <a:t>данные формы,</a:t>
+              <a:t> – возвращает ответ как данные формы,</a:t>
             </a:r>
             <a:endParaRPr b="0" lang="ru-RU" sz="2600" spc="-1" strike="noStrike">
-              <a:solidFill>
-                <a:srgbClr val="000000"/>
-              </a:solidFill>
-              <a:latin typeface="Constantia"/>
-            </a:endParaRPr>
-          </a:p>
-          <a:p>
-            <a:pPr marL="274320" indent="-273960">
+              <a:latin typeface="Arial"/>
+            </a:endParaRPr>
+          </a:p>
+          <a:p>
+            <a:pPr marL="274320" indent="-273600">
               <a:lnSpc>
                 <a:spcPct val="100000"/>
               </a:lnSpc>
@@ -5876,10 +5353,7 @@
               <a:t> </a:t>
             </a:r>
             <a:endParaRPr b="0" lang="ru-RU" sz="2600" spc="-1" strike="noStrike">
-              <a:solidFill>
-                <a:srgbClr val="000000"/>
-              </a:solidFill>
-              <a:latin typeface="Constantia"/>
+              <a:latin typeface="Arial"/>
             </a:endParaRPr>
           </a:p>
         </p:txBody>
@@ -5916,14 +5390,14 @@
       </p:grpSpPr>
       <p:sp>
         <p:nvSpPr>
-          <p:cNvPr id="104" name="TextShape 1"/>
-          <p:cNvSpPr txBox="1"/>
+          <p:cNvPr id="98" name="CustomShape 1"/>
+          <p:cNvSpPr/>
           <p:nvPr/>
         </p:nvSpPr>
         <p:spPr>
           <a:xfrm>
             <a:off x="457200" y="513360"/>
-            <a:ext cx="8229240" cy="1142640"/>
+            <a:ext cx="8228880" cy="1142280"/>
           </a:xfrm>
           <a:prstGeom prst="rect">
             <a:avLst/>
@@ -5933,6 +5407,12 @@
             <a:noFill/>
           </a:ln>
         </p:spPr>
+        <p:style>
+          <a:lnRef idx="0"/>
+          <a:fillRef idx="0"/>
+          <a:effectRef idx="0"/>
+          <a:fontRef idx="minor"/>
+        </p:style>
         <p:txBody>
           <a:bodyPr lIns="0" rIns="0" tIns="45000" bIns="0" anchor="b">
             <a:noAutofit/>
@@ -5953,24 +5433,21 @@
               <a:t>Пример</a:t>
             </a:r>
             <a:endParaRPr b="0" lang="ru-RU" sz="5000" spc="-1" strike="noStrike">
-              <a:solidFill>
-                <a:srgbClr val="000000"/>
-              </a:solidFill>
-              <a:latin typeface="Constantia"/>
-            </a:endParaRPr>
-          </a:p>
-        </p:txBody>
-      </p:sp>
-      <p:sp>
-        <p:nvSpPr>
-          <p:cNvPr id="105" name="TextShape 2"/>
-          <p:cNvSpPr txBox="1"/>
+              <a:latin typeface="Arial"/>
+            </a:endParaRPr>
+          </a:p>
+        </p:txBody>
+      </p:sp>
+      <p:sp>
+        <p:nvSpPr>
+          <p:cNvPr id="99" name="CustomShape 2"/>
+          <p:cNvSpPr/>
           <p:nvPr/>
         </p:nvSpPr>
         <p:spPr>
           <a:xfrm>
             <a:off x="241560" y="1746360"/>
-            <a:ext cx="8686440" cy="4373640"/>
+            <a:ext cx="8686080" cy="4373280"/>
           </a:xfrm>
           <a:prstGeom prst="rect">
             <a:avLst/>
@@ -5980,6 +5457,12 @@
             <a:noFill/>
           </a:ln>
         </p:spPr>
+        <p:style>
+          <a:lnRef idx="0"/>
+          <a:fillRef idx="0"/>
+          <a:effectRef idx="0"/>
+          <a:fontRef idx="minor"/>
+        </p:style>
         <p:txBody>
           <a:bodyPr lIns="90000" rIns="90000" tIns="45000" bIns="45000">
             <a:noAutofit/>
@@ -6012,10 +5495,7 @@
               <a:t>var myHeaders = new Headers();</a:t>
             </a:r>
             <a:endParaRPr b="0" lang="ru-RU" sz="1800" spc="-1" strike="noStrike">
-              <a:solidFill>
-                <a:srgbClr val="000000"/>
-              </a:solidFill>
-              <a:latin typeface="Constantia"/>
+              <a:latin typeface="Arial"/>
             </a:endParaRPr>
           </a:p>
           <a:p>
@@ -6037,10 +5517,7 @@
               <a:t>myHeaders.append("Content-Type", "application/json");</a:t>
             </a:r>
             <a:endParaRPr b="0" lang="ru-RU" sz="1800" spc="-1" strike="noStrike">
-              <a:solidFill>
-                <a:srgbClr val="000000"/>
-              </a:solidFill>
-              <a:latin typeface="Constantia"/>
+              <a:latin typeface="Arial"/>
             </a:endParaRPr>
           </a:p>
           <a:p>
@@ -6053,10 +5530,7 @@
               </a:tabLst>
             </a:pPr>
             <a:endParaRPr b="0" lang="ru-RU" sz="1800" spc="-1" strike="noStrike">
-              <a:solidFill>
-                <a:srgbClr val="000000"/>
-              </a:solidFill>
-              <a:latin typeface="Constantia"/>
+              <a:latin typeface="Arial"/>
             </a:endParaRPr>
           </a:p>
           <a:p>
@@ -6078,10 +5552,7 @@
               <a:t>var raw = JSON.stringify({ </a:t>
             </a:r>
             <a:endParaRPr b="0" lang="ru-RU" sz="1800" spc="-1" strike="noStrike">
-              <a:solidFill>
-                <a:srgbClr val="000000"/>
-              </a:solidFill>
-              <a:latin typeface="Constantia"/>
+              <a:latin typeface="Arial"/>
             </a:endParaRPr>
           </a:p>
           <a:p>
@@ -6112,10 +5583,7 @@
               <a:t>"phone": "890012345678",</a:t>
             </a:r>
             <a:endParaRPr b="0" lang="ru-RU" sz="1800" spc="-1" strike="noStrike">
-              <a:solidFill>
-                <a:srgbClr val="000000"/>
-              </a:solidFill>
-              <a:latin typeface="Constantia"/>
+              <a:latin typeface="Arial"/>
             </a:endParaRPr>
           </a:p>
           <a:p>
@@ -6146,10 +5614,7 @@
               <a:t>"password": "spbpkgh"</a:t>
             </a:r>
             <a:endParaRPr b="0" lang="ru-RU" sz="1800" spc="-1" strike="noStrike">
-              <a:solidFill>
-                <a:srgbClr val="000000"/>
-              </a:solidFill>
-              <a:latin typeface="Constantia"/>
+              <a:latin typeface="Arial"/>
             </a:endParaRPr>
           </a:p>
           <a:p>
@@ -6171,10 +5636,7 @@
               <a:t>});</a:t>
             </a:r>
             <a:endParaRPr b="0" lang="ru-RU" sz="1800" spc="-1" strike="noStrike">
-              <a:solidFill>
-                <a:srgbClr val="000000"/>
-              </a:solidFill>
-              <a:latin typeface="Constantia"/>
+              <a:latin typeface="Arial"/>
             </a:endParaRPr>
           </a:p>
           <a:p>
@@ -6187,10 +5649,7 @@
               </a:tabLst>
             </a:pPr>
             <a:endParaRPr b="0" lang="ru-RU" sz="1800" spc="-1" strike="noStrike">
-              <a:solidFill>
-                <a:srgbClr val="000000"/>
-              </a:solidFill>
-              <a:latin typeface="Constantia"/>
+              <a:latin typeface="Arial"/>
             </a:endParaRPr>
           </a:p>
           <a:p>
@@ -6212,10 +5671,7 @@
               <a:t>var requestOptions = {</a:t>
             </a:r>
             <a:endParaRPr b="0" lang="ru-RU" sz="1800" spc="-1" strike="noStrike">
-              <a:solidFill>
-                <a:srgbClr val="000000"/>
-              </a:solidFill>
-              <a:latin typeface="Constantia"/>
+              <a:latin typeface="Arial"/>
             </a:endParaRPr>
           </a:p>
           <a:p>
@@ -6246,10 +5702,7 @@
               <a:t>method: 'POST',</a:t>
             </a:r>
             <a:endParaRPr b="0" lang="ru-RU" sz="1800" spc="-1" strike="noStrike">
-              <a:solidFill>
-                <a:srgbClr val="000000"/>
-              </a:solidFill>
-              <a:latin typeface="Constantia"/>
+              <a:latin typeface="Arial"/>
             </a:endParaRPr>
           </a:p>
           <a:p>
@@ -6280,10 +5733,7 @@
               <a:t>headers: myHeaders,</a:t>
             </a:r>
             <a:endParaRPr b="0" lang="ru-RU" sz="1800" spc="-1" strike="noStrike">
-              <a:solidFill>
-                <a:srgbClr val="000000"/>
-              </a:solidFill>
-              <a:latin typeface="Constantia"/>
+              <a:latin typeface="Arial"/>
             </a:endParaRPr>
           </a:p>
           <a:p>
@@ -6314,10 +5764,7 @@
               <a:t>body: raw  </a:t>
             </a:r>
             <a:endParaRPr b="0" lang="ru-RU" sz="1800" spc="-1" strike="noStrike">
-              <a:solidFill>
-                <a:srgbClr val="000000"/>
-              </a:solidFill>
-              <a:latin typeface="Constantia"/>
+              <a:latin typeface="Arial"/>
             </a:endParaRPr>
           </a:p>
           <a:p>
@@ -6339,10 +5786,7 @@
               <a:t>};</a:t>
             </a:r>
             <a:endParaRPr b="0" lang="ru-RU" sz="1800" spc="-1" strike="noStrike">
-              <a:solidFill>
-                <a:srgbClr val="000000"/>
-              </a:solidFill>
-              <a:latin typeface="Constantia"/>
+              <a:latin typeface="Arial"/>
             </a:endParaRPr>
           </a:p>
           <a:p>
@@ -6355,10 +5799,7 @@
               </a:tabLst>
             </a:pPr>
             <a:endParaRPr b="0" lang="ru-RU" sz="1800" spc="-1" strike="noStrike">
-              <a:solidFill>
-                <a:srgbClr val="000000"/>
-              </a:solidFill>
-              <a:latin typeface="Constantia"/>
+              <a:latin typeface="Arial"/>
             </a:endParaRPr>
           </a:p>
           <a:p>
@@ -6380,10 +5821,7 @@
               <a:t>let res=await fetch("http://tickets.сделай.site/api/login", requestOptions)</a:t>
             </a:r>
             <a:endParaRPr b="0" lang="ru-RU" sz="1800" spc="-1" strike="noStrike">
-              <a:solidFill>
-                <a:srgbClr val="000000"/>
-              </a:solidFill>
-              <a:latin typeface="Constantia"/>
+              <a:latin typeface="Arial"/>
             </a:endParaRPr>
           </a:p>
           <a:p>
@@ -6414,10 +5852,7 @@
               <a:t>.then(response =&gt; response.json());</a:t>
             </a:r>
             <a:endParaRPr b="0" lang="ru-RU" sz="1800" spc="-1" strike="noStrike">
-              <a:solidFill>
-                <a:srgbClr val="000000"/>
-              </a:solidFill>
-              <a:latin typeface="Constantia"/>
+              <a:latin typeface="Arial"/>
             </a:endParaRPr>
           </a:p>
           <a:p>
@@ -6448,10 +5883,7 @@
               <a:t>document.write(`&lt;p&gt;token :${res.data.token}&lt;/p&gt;`);</a:t>
             </a:r>
             <a:endParaRPr b="0" lang="ru-RU" sz="1800" spc="-1" strike="noStrike">
-              <a:solidFill>
-                <a:srgbClr val="000000"/>
-              </a:solidFill>
-              <a:latin typeface="Constantia"/>
+              <a:latin typeface="Arial"/>
             </a:endParaRPr>
           </a:p>
         </p:txBody>
@@ -6488,14 +5920,14 @@
       </p:grpSpPr>
       <p:sp>
         <p:nvSpPr>
-          <p:cNvPr id="106" name="TextShape 1"/>
-          <p:cNvSpPr txBox="1"/>
+          <p:cNvPr id="100" name="CustomShape 1"/>
+          <p:cNvSpPr/>
           <p:nvPr/>
         </p:nvSpPr>
         <p:spPr>
           <a:xfrm>
             <a:off x="457200" y="513360"/>
-            <a:ext cx="8229240" cy="1142640"/>
+            <a:ext cx="8228880" cy="1142280"/>
           </a:xfrm>
           <a:prstGeom prst="rect">
             <a:avLst/>
@@ -6505,6 +5937,12 @@
             <a:noFill/>
           </a:ln>
         </p:spPr>
+        <p:style>
+          <a:lnRef idx="0"/>
+          <a:fillRef idx="0"/>
+          <a:effectRef idx="0"/>
+          <a:fontRef idx="minor"/>
+        </p:style>
         <p:txBody>
           <a:bodyPr lIns="0" rIns="0" tIns="45000" bIns="0" anchor="b">
             <a:noAutofit/>
@@ -6525,24 +5963,21 @@
               <a:t>Задание</a:t>
             </a:r>
             <a:endParaRPr b="0" lang="ru-RU" sz="5000" spc="-1" strike="noStrike">
-              <a:solidFill>
-                <a:srgbClr val="000000"/>
-              </a:solidFill>
-              <a:latin typeface="Constantia"/>
-            </a:endParaRPr>
-          </a:p>
-        </p:txBody>
-      </p:sp>
-      <p:sp>
-        <p:nvSpPr>
-          <p:cNvPr id="107" name="TextShape 2"/>
-          <p:cNvSpPr txBox="1"/>
+              <a:latin typeface="Arial"/>
+            </a:endParaRPr>
+          </a:p>
+        </p:txBody>
+      </p:sp>
+      <p:sp>
+        <p:nvSpPr>
+          <p:cNvPr id="101" name="CustomShape 2"/>
+          <p:cNvSpPr/>
           <p:nvPr/>
         </p:nvSpPr>
         <p:spPr>
           <a:xfrm>
             <a:off x="241560" y="1746360"/>
-            <a:ext cx="8686440" cy="4373640"/>
+            <a:ext cx="8686080" cy="4373280"/>
           </a:xfrm>
           <a:prstGeom prst="rect">
             <a:avLst/>
@@ -6552,6 +5987,12 @@
             <a:noFill/>
           </a:ln>
         </p:spPr>
+        <p:style>
+          <a:lnRef idx="0"/>
+          <a:fillRef idx="0"/>
+          <a:effectRef idx="0"/>
+          <a:fontRef idx="minor"/>
+        </p:style>
         <p:txBody>
           <a:bodyPr lIns="90000" rIns="90000" tIns="45000" bIns="45000">
             <a:noAutofit/>
@@ -6584,10 +6025,7 @@
               <a:t>Сделайте запрос получения информации о бронировании</a:t>
             </a:r>
             <a:endParaRPr b="0" lang="ru-RU" sz="1800" spc="-1" strike="noStrike">
-              <a:solidFill>
-                <a:srgbClr val="000000"/>
-              </a:solidFill>
-              <a:latin typeface="Constantia"/>
+              <a:latin typeface="Arial"/>
             </a:endParaRPr>
           </a:p>
           <a:p>
@@ -6600,10 +6038,7 @@
               </a:tabLst>
             </a:pPr>
             <a:endParaRPr b="0" lang="ru-RU" sz="1800" spc="-1" strike="noStrike">
-              <a:solidFill>
-                <a:srgbClr val="000000"/>
-              </a:solidFill>
-              <a:latin typeface="Constantia"/>
+              <a:latin typeface="Arial"/>
             </a:endParaRPr>
           </a:p>
           <a:p>
@@ -6625,10 +6060,7 @@
               <a:t>URL: http://tickets.сделай.site/api/order/{code}</a:t>
             </a:r>
             <a:endParaRPr b="0" lang="ru-RU" sz="1800" spc="-1" strike="noStrike">
-              <a:solidFill>
-                <a:srgbClr val="000000"/>
-              </a:solidFill>
-              <a:latin typeface="Constantia"/>
+              <a:latin typeface="Arial"/>
             </a:endParaRPr>
           </a:p>
           <a:p>
@@ -6650,10 +6082,7 @@
               <a:t>Method: GET</a:t>
             </a:r>
             <a:endParaRPr b="0" lang="ru-RU" sz="1800" spc="-1" strike="noStrike">
-              <a:solidFill>
-                <a:srgbClr val="000000"/>
-              </a:solidFill>
-              <a:latin typeface="Constantia"/>
+              <a:latin typeface="Arial"/>
             </a:endParaRPr>
           </a:p>
           <a:p>
@@ -6666,10 +6095,7 @@
               </a:tabLst>
             </a:pPr>
             <a:endParaRPr b="0" lang="ru-RU" sz="1800" spc="-1" strike="noStrike">
-              <a:solidFill>
-                <a:srgbClr val="000000"/>
-              </a:solidFill>
-              <a:latin typeface="Constantia"/>
+              <a:latin typeface="Arial"/>
             </a:endParaRPr>
           </a:p>
           <a:p>
@@ -6691,10 +6117,7 @@
               <a:t>где code – код бронирования code=O86VAWZKUP</a:t>
             </a:r>
             <a:endParaRPr b="0" lang="ru-RU" sz="1800" spc="-1" strike="noStrike">
-              <a:solidFill>
-                <a:srgbClr val="000000"/>
-              </a:solidFill>
-              <a:latin typeface="Constantia"/>
+              <a:latin typeface="Arial"/>
             </a:endParaRPr>
           </a:p>
           <a:p>
@@ -6707,10 +6130,7 @@
               </a:tabLst>
             </a:pPr>
             <a:endParaRPr b="0" lang="ru-RU" sz="1800" spc="-1" strike="noStrike">
-              <a:solidFill>
-                <a:srgbClr val="000000"/>
-              </a:solidFill>
-              <a:latin typeface="Constantia"/>
+              <a:latin typeface="Arial"/>
             </a:endParaRPr>
           </a:p>
           <a:p>
@@ -6732,10 +6152,7 @@
               <a:t>Результаты отобразите на странице</a:t>
             </a:r>
             <a:endParaRPr b="0" lang="ru-RU" sz="1800" spc="-1" strike="noStrike">
-              <a:solidFill>
-                <a:srgbClr val="000000"/>
-              </a:solidFill>
-              <a:latin typeface="Constantia"/>
+              <a:latin typeface="Arial"/>
             </a:endParaRPr>
           </a:p>
         </p:txBody>
